--- a/Industry Mapping.pptx
+++ b/Industry Mapping.pptx
@@ -19,6 +19,14 @@
     <p:sldId id="264" r:id="rId16"/>
     <p:sldId id="265" r:id="rId17"/>
     <p:sldId id="266" r:id="rId18"/>
+    <p:sldId id="267" r:id="rId19"/>
+    <p:sldId id="268" r:id="rId20"/>
+    <p:sldId id="269" r:id="rId21"/>
+    <p:sldId id="270" r:id="rId22"/>
+    <p:sldId id="271" r:id="rId23"/>
+    <p:sldId id="272" r:id="rId24"/>
+    <p:sldId id="273" r:id="rId25"/>
+    <p:sldId id="274" r:id="rId26"/>
   </p:sldIdLst>
   <p:sldSz cx="24384000" cy="13716000"/>
   <p:notesSz cx="6858000" cy="9144000"/>
@@ -3891,7 +3899,7 @@
       </p:sp>
       <p:sp>
         <p:nvSpPr>
-          <p:cNvPr id="153" name="Generating topic relations graph from large labeled corpus"/>
+          <p:cNvPr id="153" name="Generating map of industries from companies large network"/>
           <p:cNvSpPr txBox="1"/>
           <p:nvPr>
             <p:ph type="subTitle" sz="quarter" idx="1"/>
@@ -3908,7 +3916,7 @@
           <a:p>
             <a:pPr/>
             <a:r>
-              <a:t>Generating topic relations graph from large labeled corpus</a:t>
+              <a:t>Generating map of industries from companies large network</a:t>
             </a:r>
           </a:p>
         </p:txBody>
@@ -3941,7 +3949,7 @@
       </p:grpSpPr>
       <p:sp>
         <p:nvSpPr>
-          <p:cNvPr id="182" name="ANN for the rescue"/>
+          <p:cNvPr id="182" name="Improved Nearest Neighbors search"/>
           <p:cNvSpPr txBox="1"/>
           <p:nvPr>
             <p:ph type="title"/>
@@ -3958,43 +3966,14 @@
           <a:p>
             <a:pPr/>
             <a:r>
-              <a:t>ANN for the rescue</a:t>
-            </a:r>
-          </a:p>
-        </p:txBody>
-      </p:sp>
-      <p:sp>
-        <p:nvSpPr>
-          <p:cNvPr id="183" name="Approximate Nearest Neighbors"/>
-          <p:cNvSpPr txBox="1"/>
-          <p:nvPr>
-            <p:ph type="body" idx="21"/>
-          </p:nvPr>
-        </p:nvSpPr>
-        <p:spPr>
-          <a:prstGeom prst="rect">
-            <a:avLst/>
-          </a:prstGeom>
-          <a:extLst>
-            <a:ext uri="{C572A759-6A51-4108-AA02-DFA0A04FC94B}">
-              <ma14:wrappingTextBoxFlag xmlns:ma14="http://schemas.microsoft.com/office/mac/drawingml/2011/main" val="1"/>
-            </a:ext>
-          </a:extLst>
-        </p:spPr>
-        <p:txBody>
-          <a:bodyPr/>
-          <a:lstStyle/>
-          <a:p>
-            <a:pPr/>
-            <a:r>
-              <a:t>Approximate Nearest Neighbors</a:t>
-            </a:r>
-          </a:p>
-        </p:txBody>
-      </p:sp>
-      <p:sp>
-        <p:nvSpPr>
-          <p:cNvPr id="184" name="- Instead of exhaustively search for similar vectors, use a data structure"/>
+              <a:t>Improved Nearest Neighbors search</a:t>
+            </a:r>
+          </a:p>
+        </p:txBody>
+      </p:sp>
+      <p:sp>
+        <p:nvSpPr>
+          <p:cNvPr id="183" name="Methods to reject candidates, for example using space partitions…"/>
           <p:cNvSpPr txBox="1"/>
           <p:nvPr>
             <p:ph type="body" idx="1"/>
@@ -4006,18 +3985,40 @@
           </a:prstGeom>
         </p:spPr>
         <p:txBody>
-          <a:bodyPr/>
-          <a:lstStyle>
-            <a:lvl1pPr marL="0" indent="0">
-              <a:buSzTx/>
-              <a:buNone/>
-            </a:lvl1pPr>
-          </a:lstStyle>
-          <a:p>
-            <a:pPr/>
-            <a:r>
-              <a:t>- Instead of exhaustively search for similar vectors, use a data structure   </a:t>
-            </a:r>
+          <a:bodyPr>
+            <a:noAutofit/>
+          </a:bodyPr>
+          <a:lstStyle/>
+          <a:p>
+            <a:pPr/>
+            <a:r>
+              <a:t>Methods to reject candidates, for example using space partitions </a:t>
+            </a:r>
+          </a:p>
+          <a:p>
+            <a:pPr/>
+            <a:r>
+              <a:t>For example, using k-d tree: partitions the space using a binary tree</a:t>
+            </a:r>
+          </a:p>
+          <a:p>
+            <a:pPr/>
+            <a:r>
+              <a:rPr b="1"/>
+              <a:t>Bad performance on high dimensional data</a:t>
+            </a:r>
+            <a:r>
+              <a:t> (“Curse of dimensionality”)</a:t>
+            </a:r>
+          </a:p>
+          <a:p>
+            <a:pPr/>
+            <a:r>
+              <a:t>=&gt; Lack of support for sparse vectors (converting to dense in not feasible)</a:t>
+            </a:r>
+            <a:br>
+              <a:rPr b="1"/>
+            </a:br>
           </a:p>
         </p:txBody>
       </p:sp>
@@ -4049,7 +4050,7 @@
       </p:grpSpPr>
       <p:sp>
         <p:nvSpPr>
-          <p:cNvPr id="186" name="Slide Title"/>
+          <p:cNvPr id="185" name="ANN for the rescue"/>
           <p:cNvSpPr txBox="1"/>
           <p:nvPr>
             <p:ph type="title"/>
@@ -4065,12 +4066,15 @@
           <a:lstStyle/>
           <a:p>
             <a:pPr/>
-          </a:p>
-        </p:txBody>
-      </p:sp>
-      <p:sp>
-        <p:nvSpPr>
-          <p:cNvPr id="187" name="Slide Subtitle"/>
+            <a:r>
+              <a:t>ANN for the rescue</a:t>
+            </a:r>
+          </a:p>
+        </p:txBody>
+      </p:sp>
+      <p:sp>
+        <p:nvSpPr>
+          <p:cNvPr id="186" name="Approximate Nearest Neighbors"/>
           <p:cNvSpPr txBox="1"/>
           <p:nvPr>
             <p:ph type="body" idx="21"/>
@@ -4080,18 +4084,26 @@
           <a:prstGeom prst="rect">
             <a:avLst/>
           </a:prstGeom>
+          <a:extLst>
+            <a:ext uri="{C572A759-6A51-4108-AA02-DFA0A04FC94B}">
+              <ma14:wrappingTextBoxFlag xmlns:ma14="http://schemas.microsoft.com/office/mac/drawingml/2011/main" val="1"/>
+            </a:ext>
+          </a:extLst>
         </p:spPr>
         <p:txBody>
           <a:bodyPr/>
           <a:lstStyle/>
           <a:p>
             <a:pPr/>
-          </a:p>
-        </p:txBody>
-      </p:sp>
-      <p:sp>
-        <p:nvSpPr>
-          <p:cNvPr id="188" name="Slide bullet text"/>
+            <a:r>
+              <a:t>Approximate Nearest Neighbors</a:t>
+            </a:r>
+          </a:p>
+        </p:txBody>
+      </p:sp>
+      <p:sp>
+        <p:nvSpPr>
+          <p:cNvPr id="187" name="Instead of finding the exact K Nearest Neighbors, find K neighbors which are close enough (works for many practical applications) to the query…"/>
           <p:cNvSpPr txBox="1"/>
           <p:nvPr>
             <p:ph type="body" idx="1"/>
@@ -4107,6 +4119,1962 @@
           <a:lstStyle/>
           <a:p>
             <a:pPr/>
+            <a:r>
+              <a:t>Instead of finding the exact K Nearest Neighbors, find K neighbors which are close enough (works for many practical applications) to the query</a:t>
+            </a:r>
+          </a:p>
+          <a:p>
+            <a:pPr/>
+            <a:r>
+              <a:t>The distance between the query and the approximate NN is bounded by:</a:t>
+            </a:r>
+          </a:p>
+          <a:p>
+            <a:pPr marL="0" indent="0" algn="ctr">
+              <a:buSzTx/>
+              <a:buNone/>
+              <a:defRPr sz="4200"/>
+            </a:pPr>
+            <a14:m>
+              <m:oMathPara>
+                <m:oMathParaPr>
+                  <m:jc m:val="center"/>
+                </m:oMathParaPr>
+                <m:oMath>
+                  <m:r>
+                    <a:rPr xmlns:a="http://schemas.openxmlformats.org/drawingml/2006/main" sz="5100" i="1">
+                      <a:solidFill>
+                        <a:srgbClr val="000000"/>
+                      </a:solidFill>
+                      <a:latin typeface="Cambria Math" panose="02040503050406030204" pitchFamily="18" charset="0"/>
+                    </a:rPr>
+                    <m:t>c</m:t>
+                  </m:r>
+                  <m:r>
+                    <a:rPr xmlns:a="http://schemas.openxmlformats.org/drawingml/2006/main" sz="5100" i="1">
+                      <a:solidFill>
+                        <a:srgbClr val="000000"/>
+                      </a:solidFill>
+                      <a:latin typeface="Cambria Math" panose="02040503050406030204" pitchFamily="18" charset="0"/>
+                    </a:rPr>
+                    <m:t>⋅</m:t>
+                  </m:r>
+                  <m:r>
+                    <a:rPr xmlns:a="http://schemas.openxmlformats.org/drawingml/2006/main" sz="5100" i="1">
+                      <a:solidFill>
+                        <a:srgbClr val="000000"/>
+                      </a:solidFill>
+                      <a:latin typeface="Cambria Math" panose="02040503050406030204" pitchFamily="18" charset="0"/>
+                    </a:rPr>
+                    <m:t>m</m:t>
+                  </m:r>
+                  <m:r>
+                    <a:rPr xmlns:a="http://schemas.openxmlformats.org/drawingml/2006/main" sz="5100" i="1">
+                      <a:solidFill>
+                        <a:srgbClr val="000000"/>
+                      </a:solidFill>
+                      <a:latin typeface="Cambria Math" panose="02040503050406030204" pitchFamily="18" charset="0"/>
+                    </a:rPr>
+                    <m:t>i</m:t>
+                  </m:r>
+                  <m:sSub>
+                    <m:e>
+                      <m:r>
+                        <a:rPr xmlns:a="http://schemas.openxmlformats.org/drawingml/2006/main" sz="5100" i="1">
+                          <a:solidFill>
+                            <a:srgbClr val="000000"/>
+                          </a:solidFill>
+                          <a:latin typeface="Cambria Math" panose="02040503050406030204" pitchFamily="18" charset="0"/>
+                        </a:rPr>
+                        <m:t>n</m:t>
+                      </m:r>
+                    </m:e>
+                    <m:sub>
+                      <m:r>
+                        <a:rPr xmlns:a="http://schemas.openxmlformats.org/drawingml/2006/main" sz="5100" i="1">
+                          <a:solidFill>
+                            <a:srgbClr val="000000"/>
+                          </a:solidFill>
+                          <a:latin typeface="Cambria Math" panose="02040503050406030204" pitchFamily="18" charset="0"/>
+                        </a:rPr>
+                        <m:t>x</m:t>
+                      </m:r>
+                    </m:sub>
+                  </m:sSub>
+                  <m:r>
+                    <a:rPr xmlns:a="http://schemas.openxmlformats.org/drawingml/2006/main" sz="5100" i="1">
+                      <a:solidFill>
+                        <a:srgbClr val="000000"/>
+                      </a:solidFill>
+                      <a:latin typeface="Cambria Math" panose="02040503050406030204" pitchFamily="18" charset="0"/>
+                    </a:rPr>
+                    <m:t>D</m:t>
+                  </m:r>
+                  <m:r>
+                    <a:rPr xmlns:a="http://schemas.openxmlformats.org/drawingml/2006/main" sz="5100" i="1">
+                      <a:solidFill>
+                        <a:srgbClr val="000000"/>
+                      </a:solidFill>
+                      <a:latin typeface="Cambria Math" panose="02040503050406030204" pitchFamily="18" charset="0"/>
+                    </a:rPr>
+                    <m:t>(</m:t>
+                  </m:r>
+                  <m:r>
+                    <a:rPr xmlns:a="http://schemas.openxmlformats.org/drawingml/2006/main" sz="5100" i="1">
+                      <a:solidFill>
+                        <a:srgbClr val="000000"/>
+                      </a:solidFill>
+                      <a:latin typeface="Cambria Math" panose="02040503050406030204" pitchFamily="18" charset="0"/>
+                    </a:rPr>
+                    <m:t>q</m:t>
+                  </m:r>
+                  <m:r>
+                    <a:rPr xmlns:a="http://schemas.openxmlformats.org/drawingml/2006/main" sz="5100" i="1">
+                      <a:solidFill>
+                        <a:srgbClr val="000000"/>
+                      </a:solidFill>
+                      <a:latin typeface="Cambria Math" panose="02040503050406030204" pitchFamily="18" charset="0"/>
+                    </a:rPr>
+                    <m:t>,</m:t>
+                  </m:r>
+                  <m:r>
+                    <a:rPr xmlns:a="http://schemas.openxmlformats.org/drawingml/2006/main" sz="5100" i="1">
+                      <a:solidFill>
+                        <a:srgbClr val="000000"/>
+                      </a:solidFill>
+                      <a:latin typeface="Cambria Math" panose="02040503050406030204" pitchFamily="18" charset="0"/>
+                    </a:rPr>
+                    <m:t>x</m:t>
+                  </m:r>
+                  <m:r>
+                    <a:rPr xmlns:a="http://schemas.openxmlformats.org/drawingml/2006/main" sz="5100" i="1">
+                      <a:solidFill>
+                        <a:srgbClr val="000000"/>
+                      </a:solidFill>
+                      <a:latin typeface="Cambria Math" panose="02040503050406030204" pitchFamily="18" charset="0"/>
+                    </a:rPr>
+                    <m:t>)</m:t>
+                  </m:r>
+                </m:oMath>
+              </m:oMathPara>
+            </a14:m>
+          </a:p>
+        </p:txBody>
+      </p:sp>
+    </p:spTree>
+  </p:cSld>
+  <p:clrMapOvr>
+    <a:masterClrMapping/>
+  </p:clrMapOvr>
+  <p:transition xmlns:p14="http://schemas.microsoft.com/office/powerpoint/2010/main" spd="med" advClick="1"/>
+</p:sld>
+</file>
+
+<file path=ppt/slides/slide12.xml><?xml version="1.0" encoding="utf-8"?>
+<p:sld xmlns:a="http://schemas.openxmlformats.org/drawingml/2006/main" xmlns:r="http://schemas.openxmlformats.org/officeDocument/2006/relationships" xmlns:p="http://schemas.openxmlformats.org/presentationml/2006/main" xmlns:m="http://schemas.openxmlformats.org/officeDocument/2006/math" xmlns:a14="http://schemas.microsoft.com/office/drawing/2010/main" showMasterSp="1" showMasterPhAnim="1">
+  <p:cSld>
+    <p:spTree>
+      <p:nvGrpSpPr>
+        <p:cNvPr id="1" name=""/>
+        <p:cNvGrpSpPr/>
+        <p:nvPr/>
+      </p:nvGrpSpPr>
+      <p:grpSpPr>
+        <a:xfrm>
+          <a:off x="0" y="0"/>
+          <a:ext cx="0" cy="0"/>
+          <a:chOff x="0" y="0"/>
+          <a:chExt cx="0" cy="0"/>
+        </a:xfrm>
+      </p:grpSpPr>
+      <p:sp>
+        <p:nvSpPr>
+          <p:cNvPr id="189" name="ANN using pysparnn"/>
+          <p:cNvSpPr txBox="1"/>
+          <p:nvPr>
+            <p:ph type="title"/>
+          </p:nvPr>
+        </p:nvSpPr>
+        <p:spPr>
+          <a:prstGeom prst="rect">
+            <a:avLst/>
+          </a:prstGeom>
+        </p:spPr>
+        <p:txBody>
+          <a:bodyPr/>
+          <a:lstStyle/>
+          <a:p>
+            <a:pPr/>
+            <a:r>
+              <a:t>ANN using pysparnn</a:t>
+            </a:r>
+          </a:p>
+        </p:txBody>
+      </p:sp>
+      <p:sp>
+        <p:nvSpPr>
+          <p:cNvPr id="190" name="Approximate Nearest Neighbors"/>
+          <p:cNvSpPr txBox="1"/>
+          <p:nvPr>
+            <p:ph type="body" idx="21"/>
+          </p:nvPr>
+        </p:nvSpPr>
+        <p:spPr>
+          <a:prstGeom prst="rect">
+            <a:avLst/>
+          </a:prstGeom>
+          <a:extLst>
+            <a:ext uri="{C572A759-6A51-4108-AA02-DFA0A04FC94B}">
+              <ma14:wrappingTextBoxFlag xmlns:ma14="http://schemas.microsoft.com/office/mac/drawingml/2011/main" val="1"/>
+            </a:ext>
+          </a:extLst>
+        </p:spPr>
+        <p:txBody>
+          <a:bodyPr/>
+          <a:lstStyle/>
+          <a:p>
+            <a:pPr/>
+            <a:r>
+              <a:t>Approximate Nearest Neighbors</a:t>
+            </a:r>
+          </a:p>
+        </p:txBody>
+      </p:sp>
+      <p:sp>
+        <p:nvSpPr>
+          <p:cNvPr id="191" name="We used pysparnn, developed by Facebook research…"/>
+          <p:cNvSpPr txBox="1"/>
+          <p:nvPr>
+            <p:ph type="body" idx="1"/>
+          </p:nvPr>
+        </p:nvSpPr>
+        <p:spPr>
+          <a:prstGeom prst="rect">
+            <a:avLst/>
+          </a:prstGeom>
+        </p:spPr>
+        <p:txBody>
+          <a:bodyPr/>
+          <a:lstStyle/>
+          <a:p>
+            <a:pPr/>
+            <a:r>
+              <a:t>We used </a:t>
+            </a:r>
+            <a:r>
+              <a:rPr b="1"/>
+              <a:t>pysparnn</a:t>
+            </a:r>
+            <a:r>
+              <a:t>, developed by Facebook research</a:t>
+            </a:r>
+          </a:p>
+          <a:p>
+            <a:pPr/>
+            <a:r>
+              <a:t>Using tree structure to quickly find </a:t>
+            </a:r>
+            <a14:m>
+              <m:oMath>
+                <m:rad>
+                  <m:radPr>
+                    <m:ctrlPr>
+                      <a:rPr xmlns:a="http://schemas.openxmlformats.org/drawingml/2006/main" sz="5750" i="1">
+                        <a:solidFill>
+                          <a:srgbClr val="000000"/>
+                        </a:solidFill>
+                        <a:latin typeface="Cambria Math" panose="02040503050406030204" pitchFamily="18" charset="0"/>
+                      </a:rPr>
+                    </m:ctrlPr>
+                    <m:degHide m:val="on"/>
+                  </m:radPr>
+                  <m:deg/>
+                  <m:e>
+                    <m:r>
+                      <a:rPr xmlns:a="http://schemas.openxmlformats.org/drawingml/2006/main" sz="5750" i="1">
+                        <a:solidFill>
+                          <a:srgbClr val="000000"/>
+                        </a:solidFill>
+                        <a:latin typeface="Cambria Math" panose="02040503050406030204" pitchFamily="18" charset="0"/>
+                      </a:rPr>
+                      <m:t>N</m:t>
+                    </m:r>
+                  </m:e>
+                </m:rad>
+              </m:oMath>
+            </a14:m>
+            <a:r>
+              <a:t> candidates using sparse vectors</a:t>
+            </a:r>
+          </a:p>
+          <a:p>
+            <a:pPr/>
+            <a:r>
+              <a:t>Took around </a:t>
+            </a:r>
+            <a:r>
+              <a:rPr b="1"/>
+              <a:t>37 ms</a:t>
+            </a:r>
+            <a:r>
+              <a:t> to find 1-NN for one company</a:t>
+            </a:r>
+          </a:p>
+          <a:p>
+            <a:pPr/>
+            <a:r>
+              <a:t>Found all 1-NN in around </a:t>
+            </a:r>
+            <a:r>
+              <a:rPr b="1"/>
+              <a:t>11 hours</a:t>
+            </a:r>
+            <a:r>
+              <a:t> (over 1.21 million queries) on a single CPU without distributed computations</a:t>
+            </a:r>
+          </a:p>
+          <a:p>
+            <a:pPr/>
+            <a:r>
+              <a:rPr u="sng">
+                <a:hlinkClick r:id="rId2" invalidUrl="" action="" tgtFrame="" tooltip="" history="1" highlightClick="0" endSnd="0"/>
+              </a:rPr>
+              <a:t>github.com/facebookresearch/pysparnn</a:t>
+            </a:r>
+          </a:p>
+        </p:txBody>
+      </p:sp>
+    </p:spTree>
+  </p:cSld>
+  <p:clrMapOvr>
+    <a:masterClrMapping/>
+  </p:clrMapOvr>
+  <p:transition xmlns:p14="http://schemas.microsoft.com/office/powerpoint/2010/main" spd="med" advClick="1"/>
+</p:sld>
+</file>
+
+<file path=ppt/slides/slide13.xml><?xml version="1.0" encoding="utf-8"?>
+<p:sld xmlns:a="http://schemas.openxmlformats.org/drawingml/2006/main" xmlns:r="http://schemas.openxmlformats.org/officeDocument/2006/relationships" xmlns:p="http://schemas.openxmlformats.org/presentationml/2006/main" xmlns:m="http://schemas.openxmlformats.org/officeDocument/2006/math" xmlns:a14="http://schemas.microsoft.com/office/drawing/2010/main" showMasterSp="1" showMasterPhAnim="1">
+  <p:cSld>
+    <p:spTree>
+      <p:nvGrpSpPr>
+        <p:cNvPr id="1" name=""/>
+        <p:cNvGrpSpPr/>
+        <p:nvPr/>
+      </p:nvGrpSpPr>
+      <p:grpSpPr>
+        <a:xfrm>
+          <a:off x="0" y="0"/>
+          <a:ext cx="0" cy="0"/>
+          <a:chOff x="0" y="0"/>
+          <a:chExt cx="0" cy="0"/>
+        </a:xfrm>
+      </p:grpSpPr>
+      <p:sp>
+        <p:nvSpPr>
+          <p:cNvPr id="193" name="Constructing the Industry Map"/>
+          <p:cNvSpPr txBox="1"/>
+          <p:nvPr>
+            <p:ph type="title"/>
+          </p:nvPr>
+        </p:nvSpPr>
+        <p:spPr>
+          <a:prstGeom prst="rect">
+            <a:avLst/>
+          </a:prstGeom>
+        </p:spPr>
+        <p:txBody>
+          <a:bodyPr/>
+          <a:lstStyle/>
+          <a:p>
+            <a:pPr/>
+            <a:r>
+              <a:t>Constructing the Industry Map</a:t>
+            </a:r>
+          </a:p>
+        </p:txBody>
+      </p:sp>
+      <p:sp>
+        <p:nvSpPr>
+          <p:cNvPr id="194" name="We will construct the final industry map (network) by reducing the companies network…"/>
+          <p:cNvSpPr txBox="1"/>
+          <p:nvPr>
+            <p:ph type="body" idx="1"/>
+          </p:nvPr>
+        </p:nvSpPr>
+        <p:spPr>
+          <a:prstGeom prst="rect">
+            <a:avLst/>
+          </a:prstGeom>
+        </p:spPr>
+        <p:txBody>
+          <a:bodyPr/>
+          <a:lstStyle/>
+          <a:p>
+            <a:pPr marL="554736" indent="-554736" defTabSz="2218888">
+              <a:lnSpc>
+                <a:spcPct val="120000"/>
+              </a:lnSpc>
+              <a:spcBef>
+                <a:spcPts val="4000"/>
+              </a:spcBef>
+              <a:defRPr sz="4368"/>
+            </a:pPr>
+            <a:r>
+              <a:t>We will construct the final industry map (network) by reducing the companies network</a:t>
+            </a:r>
+          </a:p>
+          <a:p>
+            <a:pPr marL="554736" indent="-554736" defTabSz="2218888">
+              <a:lnSpc>
+                <a:spcPct val="120000"/>
+              </a:lnSpc>
+              <a:spcBef>
+                <a:spcPts val="4000"/>
+              </a:spcBef>
+              <a:defRPr sz="4368"/>
+            </a:pPr>
+            <a:r>
+              <a:t>Given the companies network </a:t>
+            </a:r>
+            <a14:m>
+              <m:oMath>
+                <m:r>
+                  <a:rPr xmlns:a="http://schemas.openxmlformats.org/drawingml/2006/main" sz="5400" i="1">
+                    <a:solidFill>
+                      <a:srgbClr val="000000"/>
+                    </a:solidFill>
+                    <a:latin typeface="Cambria Math" panose="02040503050406030204" pitchFamily="18" charset="0"/>
+                  </a:rPr>
+                  <m:t>G</m:t>
+                </m:r>
+                <m:r>
+                  <a:rPr xmlns:a="http://schemas.openxmlformats.org/drawingml/2006/main" sz="5400" i="1">
+                    <a:solidFill>
+                      <a:srgbClr val="000000"/>
+                    </a:solidFill>
+                    <a:latin typeface="Cambria Math" panose="02040503050406030204" pitchFamily="18" charset="0"/>
+                  </a:rPr>
+                  <m:t>(</m:t>
+                </m:r>
+                <m:r>
+                  <a:rPr xmlns:a="http://schemas.openxmlformats.org/drawingml/2006/main" sz="5400" i="1">
+                    <a:solidFill>
+                      <a:srgbClr val="000000"/>
+                    </a:solidFill>
+                    <a:latin typeface="Cambria Math" panose="02040503050406030204" pitchFamily="18" charset="0"/>
+                  </a:rPr>
+                  <m:t>V</m:t>
+                </m:r>
+                <m:r>
+                  <a:rPr xmlns:a="http://schemas.openxmlformats.org/drawingml/2006/main" sz="5400" i="1">
+                    <a:solidFill>
+                      <a:srgbClr val="000000"/>
+                    </a:solidFill>
+                    <a:latin typeface="Cambria Math" panose="02040503050406030204" pitchFamily="18" charset="0"/>
+                  </a:rPr>
+                  <m:t>,</m:t>
+                </m:r>
+                <m:r>
+                  <a:rPr xmlns:a="http://schemas.openxmlformats.org/drawingml/2006/main" sz="5400" i="1">
+                    <a:solidFill>
+                      <a:srgbClr val="000000"/>
+                    </a:solidFill>
+                    <a:latin typeface="Cambria Math" panose="02040503050406030204" pitchFamily="18" charset="0"/>
+                  </a:rPr>
+                  <m:t>E</m:t>
+                </m:r>
+                <m:r>
+                  <a:rPr xmlns:a="http://schemas.openxmlformats.org/drawingml/2006/main" sz="5400" i="1">
+                    <a:solidFill>
+                      <a:srgbClr val="000000"/>
+                    </a:solidFill>
+                    <a:latin typeface="Cambria Math" panose="02040503050406030204" pitchFamily="18" charset="0"/>
+                  </a:rPr>
+                  <m:t>)</m:t>
+                </m:r>
+              </m:oMath>
+            </a14:m>
+            <a:r>
+              <a:t>, we will construct a weighted directed graph as follows:</a:t>
+            </a:r>
+          </a:p>
+          <a:p>
+            <a:pPr marL="0" indent="0" defTabSz="2218888">
+              <a:lnSpc>
+                <a:spcPct val="100000"/>
+              </a:lnSpc>
+              <a:spcBef>
+                <a:spcPts val="4000"/>
+              </a:spcBef>
+              <a:buSzTx/>
+              <a:buNone/>
+              <a:defRPr sz="3822"/>
+            </a:pPr>
+            <a14:m>
+              <m:oMathPara>
+                <m:oMathParaPr>
+                  <m:jc m:val="left"/>
+                </m:oMathParaPr>
+                <m:oMath>
+                  <m:sSup>
+                    <m:e>
+                      <m:r>
+                        <a:rPr xmlns:a="http://schemas.openxmlformats.org/drawingml/2006/main" sz="4700" i="1">
+                          <a:solidFill>
+                            <a:srgbClr val="000000"/>
+                          </a:solidFill>
+                          <a:latin typeface="Cambria Math" panose="02040503050406030204" pitchFamily="18" charset="0"/>
+                        </a:rPr>
+                        <m:t>V</m:t>
+                      </m:r>
+                    </m:e>
+                    <m:sup>
+                      <m:r>
+                        <a:rPr xmlns:a="http://schemas.openxmlformats.org/drawingml/2006/main" sz="4700" i="1">
+                          <a:solidFill>
+                            <a:srgbClr val="000000"/>
+                          </a:solidFill>
+                          <a:latin typeface="Cambria Math" panose="02040503050406030204" pitchFamily="18" charset="0"/>
+                        </a:rPr>
+                        <m:t>′</m:t>
+                      </m:r>
+                    </m:sup>
+                  </m:sSup>
+                  <m:r>
+                    <a:rPr xmlns:a="http://schemas.openxmlformats.org/drawingml/2006/main" sz="4700" i="1">
+                      <a:solidFill>
+                        <a:srgbClr val="000000"/>
+                      </a:solidFill>
+                      <a:latin typeface="Cambria Math" panose="02040503050406030204" pitchFamily="18" charset="0"/>
+                    </a:rPr>
+                    <m:t>=</m:t>
+                  </m:r>
+                  <m:r>
+                    <a:rPr xmlns:a="http://schemas.openxmlformats.org/drawingml/2006/main" sz="4700" i="1">
+                      <a:solidFill>
+                        <a:srgbClr val="000000"/>
+                      </a:solidFill>
+                      <a:latin typeface="Cambria Math" panose="02040503050406030204" pitchFamily="18" charset="0"/>
+                    </a:rPr>
+                    <m:t>{</m:t>
+                  </m:r>
+                  <m:r>
+                    <a:rPr xmlns:a="http://schemas.openxmlformats.org/drawingml/2006/main" sz="4700" i="1">
+                      <a:solidFill>
+                        <a:srgbClr val="000000"/>
+                      </a:solidFill>
+                      <a:latin typeface="Cambria Math" panose="02040503050406030204" pitchFamily="18" charset="0"/>
+                    </a:rPr>
+                    <m:t>1,2,3,..,</m:t>
+                  </m:r>
+                  <m:r>
+                    <a:rPr xmlns:a="http://schemas.openxmlformats.org/drawingml/2006/main" sz="4700" i="1">
+                      <a:solidFill>
+                        <a:srgbClr val="000000"/>
+                      </a:solidFill>
+                      <a:latin typeface="Cambria Math" panose="02040503050406030204" pitchFamily="18" charset="0"/>
+                    </a:rPr>
+                    <m:t>M</m:t>
+                  </m:r>
+                  <m:r>
+                    <a:rPr xmlns:a="http://schemas.openxmlformats.org/drawingml/2006/main" sz="4700" i="1">
+                      <a:solidFill>
+                        <a:srgbClr val="000000"/>
+                      </a:solidFill>
+                      <a:latin typeface="Cambria Math" panose="02040503050406030204" pitchFamily="18" charset="0"/>
+                    </a:rPr>
+                    <m:t>}</m:t>
+                  </m:r>
+                </m:oMath>
+              </m:oMathPara>
+            </a14:m>
+          </a:p>
+          <a:p>
+            <a:pPr marL="0" indent="0" defTabSz="2218888">
+              <a:lnSpc>
+                <a:spcPct val="100000"/>
+              </a:lnSpc>
+              <a:spcBef>
+                <a:spcPts val="4000"/>
+              </a:spcBef>
+              <a:buSzTx/>
+              <a:buNone/>
+              <a:defRPr sz="3822"/>
+            </a:pPr>
+            <a14:m>
+              <m:oMath>
+                <m:sSup>
+                  <m:e>
+                    <m:r>
+                      <a:rPr xmlns:a="http://schemas.openxmlformats.org/drawingml/2006/main" sz="4550" i="1">
+                        <a:solidFill>
+                          <a:srgbClr val="000000"/>
+                        </a:solidFill>
+                        <a:latin typeface="Cambria Math" panose="02040503050406030204" pitchFamily="18" charset="0"/>
+                      </a:rPr>
+                      <m:t>E</m:t>
+                    </m:r>
+                  </m:e>
+                  <m:sup>
+                    <m:r>
+                      <a:rPr xmlns:a="http://schemas.openxmlformats.org/drawingml/2006/main" sz="4550" i="1">
+                        <a:solidFill>
+                          <a:srgbClr val="000000"/>
+                        </a:solidFill>
+                        <a:latin typeface="Cambria Math" panose="02040503050406030204" pitchFamily="18" charset="0"/>
+                      </a:rPr>
+                      <m:t>′</m:t>
+                    </m:r>
+                  </m:sup>
+                </m:sSup>
+                <m:r>
+                  <a:rPr xmlns:a="http://schemas.openxmlformats.org/drawingml/2006/main" sz="4550" i="1">
+                    <a:solidFill>
+                      <a:srgbClr val="000000"/>
+                    </a:solidFill>
+                    <a:latin typeface="Cambria Math" panose="02040503050406030204" pitchFamily="18" charset="0"/>
+                  </a:rPr>
+                  <m:t>=</m:t>
+                </m:r>
+                <m:sSup>
+                  <m:e>
+                    <m:r>
+                      <a:rPr xmlns:a="http://schemas.openxmlformats.org/drawingml/2006/main" sz="4550" i="1">
+                        <a:solidFill>
+                          <a:srgbClr val="000000"/>
+                        </a:solidFill>
+                        <a:latin typeface="Cambria Math" panose="02040503050406030204" pitchFamily="18" charset="0"/>
+                      </a:rPr>
+                      <m:t>V</m:t>
+                    </m:r>
+                  </m:e>
+                  <m:sup>
+                    <m:r>
+                      <a:rPr xmlns:a="http://schemas.openxmlformats.org/drawingml/2006/main" sz="4550" i="1">
+                        <a:solidFill>
+                          <a:srgbClr val="000000"/>
+                        </a:solidFill>
+                        <a:latin typeface="Cambria Math" panose="02040503050406030204" pitchFamily="18" charset="0"/>
+                      </a:rPr>
+                      <m:t>′</m:t>
+                    </m:r>
+                  </m:sup>
+                </m:sSup>
+                <m:r>
+                  <a:rPr xmlns:a="http://schemas.openxmlformats.org/drawingml/2006/main" sz="4550" i="1">
+                    <a:solidFill>
+                      <a:srgbClr val="000000"/>
+                    </a:solidFill>
+                    <a:latin typeface="Cambria Math" panose="02040503050406030204" pitchFamily="18" charset="0"/>
+                  </a:rPr>
+                  <m:t>×</m:t>
+                </m:r>
+                <m:sSup>
+                  <m:e>
+                    <m:r>
+                      <a:rPr xmlns:a="http://schemas.openxmlformats.org/drawingml/2006/main" sz="4550" i="1">
+                        <a:solidFill>
+                          <a:srgbClr val="000000"/>
+                        </a:solidFill>
+                        <a:latin typeface="Cambria Math" panose="02040503050406030204" pitchFamily="18" charset="0"/>
+                      </a:rPr>
+                      <m:t>V</m:t>
+                    </m:r>
+                  </m:e>
+                  <m:sup>
+                    <m:r>
+                      <a:rPr xmlns:a="http://schemas.openxmlformats.org/drawingml/2006/main" sz="4550" i="1">
+                        <a:solidFill>
+                          <a:srgbClr val="000000"/>
+                        </a:solidFill>
+                        <a:latin typeface="Cambria Math" panose="02040503050406030204" pitchFamily="18" charset="0"/>
+                      </a:rPr>
+                      <m:t>′</m:t>
+                    </m:r>
+                  </m:sup>
+                </m:sSup>
+              </m:oMath>
+            </a14:m>
+            <a:r>
+              <a:t> </a:t>
+            </a:r>
+          </a:p>
+          <a:p>
+            <a:pPr marL="0" indent="0" defTabSz="2218888">
+              <a:lnSpc>
+                <a:spcPct val="100000"/>
+              </a:lnSpc>
+              <a:spcBef>
+                <a:spcPts val="4000"/>
+              </a:spcBef>
+              <a:buSzTx/>
+              <a:buNone/>
+              <a:defRPr sz="3822"/>
+            </a:pPr>
+            <a14:m>
+              <m:oMathPara>
+                <m:oMathParaPr>
+                  <m:jc m:val="left"/>
+                </m:oMathParaPr>
+                <m:oMath>
+                  <m:r>
+                    <a:rPr xmlns:a="http://schemas.openxmlformats.org/drawingml/2006/main" sz="4600" i="1">
+                      <a:solidFill>
+                        <a:srgbClr val="000000"/>
+                      </a:solidFill>
+                      <a:latin typeface="Cambria Math" panose="02040503050406030204" pitchFamily="18" charset="0"/>
+                    </a:rPr>
+                    <m:t>w</m:t>
+                  </m:r>
+                  <m:r>
+                    <a:rPr xmlns:a="http://schemas.openxmlformats.org/drawingml/2006/main" sz="4600" i="1">
+                      <a:solidFill>
+                        <a:srgbClr val="000000"/>
+                      </a:solidFill>
+                      <a:latin typeface="Cambria Math" panose="02040503050406030204" pitchFamily="18" charset="0"/>
+                    </a:rPr>
+                    <m:t>(</m:t>
+                  </m:r>
+                  <m:r>
+                    <a:rPr xmlns:a="http://schemas.openxmlformats.org/drawingml/2006/main" sz="4600" i="1">
+                      <a:solidFill>
+                        <a:srgbClr val="000000"/>
+                      </a:solidFill>
+                      <a:latin typeface="Cambria Math" panose="02040503050406030204" pitchFamily="18" charset="0"/>
+                    </a:rPr>
+                    <m:t>i</m:t>
+                  </m:r>
+                  <m:r>
+                    <a:rPr xmlns:a="http://schemas.openxmlformats.org/drawingml/2006/main" sz="4600" i="1">
+                      <a:solidFill>
+                        <a:srgbClr val="000000"/>
+                      </a:solidFill>
+                      <a:latin typeface="Cambria Math" panose="02040503050406030204" pitchFamily="18" charset="0"/>
+                    </a:rPr>
+                    <m:t>,</m:t>
+                  </m:r>
+                  <m:r>
+                    <a:rPr xmlns:a="http://schemas.openxmlformats.org/drawingml/2006/main" sz="4600" i="1">
+                      <a:solidFill>
+                        <a:srgbClr val="000000"/>
+                      </a:solidFill>
+                      <a:latin typeface="Cambria Math" panose="02040503050406030204" pitchFamily="18" charset="0"/>
+                    </a:rPr>
+                    <m:t>j</m:t>
+                  </m:r>
+                  <m:r>
+                    <a:rPr xmlns:a="http://schemas.openxmlformats.org/drawingml/2006/main" sz="4600" i="1">
+                      <a:solidFill>
+                        <a:srgbClr val="000000"/>
+                      </a:solidFill>
+                      <a:latin typeface="Cambria Math" panose="02040503050406030204" pitchFamily="18" charset="0"/>
+                    </a:rPr>
+                    <m:t>)</m:t>
+                  </m:r>
+                  <m:r>
+                    <a:rPr xmlns:a="http://schemas.openxmlformats.org/drawingml/2006/main" sz="4600" i="1">
+                      <a:solidFill>
+                        <a:srgbClr val="000000"/>
+                      </a:solidFill>
+                      <a:latin typeface="Cambria Math" panose="02040503050406030204" pitchFamily="18" charset="0"/>
+                    </a:rPr>
+                    <m:t>=</m:t>
+                  </m:r>
+                  <m:r>
+                    <a:rPr xmlns:a="http://schemas.openxmlformats.org/drawingml/2006/main" sz="4600" i="1">
+                      <a:solidFill>
+                        <a:srgbClr val="000000"/>
+                      </a:solidFill>
+                      <a:latin typeface="Cambria Math" panose="02040503050406030204" pitchFamily="18" charset="0"/>
+                    </a:rPr>
+                    <m:t>|</m:t>
+                  </m:r>
+                  <m:r>
+                    <a:rPr xmlns:a="http://schemas.openxmlformats.org/drawingml/2006/main" sz="4600" i="1">
+                      <a:solidFill>
+                        <a:srgbClr val="000000"/>
+                      </a:solidFill>
+                      <a:latin typeface="Cambria Math" panose="02040503050406030204" pitchFamily="18" charset="0"/>
+                    </a:rPr>
+                    <m:t>{</m:t>
+                  </m:r>
+                  <m:r>
+                    <a:rPr xmlns:a="http://schemas.openxmlformats.org/drawingml/2006/main" sz="4600" i="1">
+                      <a:solidFill>
+                        <a:srgbClr val="000000"/>
+                      </a:solidFill>
+                      <a:latin typeface="Cambria Math" panose="02040503050406030204" pitchFamily="18" charset="0"/>
+                    </a:rPr>
+                    <m:t>(</m:t>
+                  </m:r>
+                  <m:r>
+                    <a:rPr xmlns:a="http://schemas.openxmlformats.org/drawingml/2006/main" sz="4600" i="1">
+                      <a:solidFill>
+                        <a:srgbClr val="000000"/>
+                      </a:solidFill>
+                      <a:latin typeface="Cambria Math" panose="02040503050406030204" pitchFamily="18" charset="0"/>
+                    </a:rPr>
+                    <m:t>x</m:t>
+                  </m:r>
+                  <m:r>
+                    <a:rPr xmlns:a="http://schemas.openxmlformats.org/drawingml/2006/main" sz="4600" i="1">
+                      <a:solidFill>
+                        <a:srgbClr val="000000"/>
+                      </a:solidFill>
+                      <a:latin typeface="Cambria Math" panose="02040503050406030204" pitchFamily="18" charset="0"/>
+                    </a:rPr>
+                    <m:t>,</m:t>
+                  </m:r>
+                  <m:r>
+                    <a:rPr xmlns:a="http://schemas.openxmlformats.org/drawingml/2006/main" sz="4600" i="1">
+                      <a:solidFill>
+                        <a:srgbClr val="000000"/>
+                      </a:solidFill>
+                      <a:latin typeface="Cambria Math" panose="02040503050406030204" pitchFamily="18" charset="0"/>
+                    </a:rPr>
+                    <m:t>y</m:t>
+                  </m:r>
+                  <m:r>
+                    <a:rPr xmlns:a="http://schemas.openxmlformats.org/drawingml/2006/main" sz="4600" i="1">
+                      <a:solidFill>
+                        <a:srgbClr val="000000"/>
+                      </a:solidFill>
+                      <a:latin typeface="Cambria Math" panose="02040503050406030204" pitchFamily="18" charset="0"/>
+                    </a:rPr>
+                    <m:t>)</m:t>
+                  </m:r>
+                  <m:r>
+                    <a:rPr xmlns:a="http://schemas.openxmlformats.org/drawingml/2006/main" sz="4600" i="1">
+                      <a:solidFill>
+                        <a:srgbClr val="000000"/>
+                      </a:solidFill>
+                      <a:latin typeface="Cambria Math" panose="02040503050406030204" pitchFamily="18" charset="0"/>
+                    </a:rPr>
+                    <m:t>∈</m:t>
+                  </m:r>
+                  <m:r>
+                    <a:rPr xmlns:a="http://schemas.openxmlformats.org/drawingml/2006/main" sz="4600" i="1">
+                      <a:solidFill>
+                        <a:srgbClr val="000000"/>
+                      </a:solidFill>
+                      <a:latin typeface="Cambria Math" panose="02040503050406030204" pitchFamily="18" charset="0"/>
+                    </a:rPr>
+                    <m:t>E</m:t>
+                  </m:r>
+                  <m:r>
+                    <a:rPr xmlns:a="http://schemas.openxmlformats.org/drawingml/2006/main" sz="4600" i="1">
+                      <a:solidFill>
+                        <a:srgbClr val="000000"/>
+                      </a:solidFill>
+                      <a:latin typeface="Cambria Math" panose="02040503050406030204" pitchFamily="18" charset="0"/>
+                    </a:rPr>
+                    <m:t>:</m:t>
+                  </m:r>
+                  <m:r>
+                    <a:rPr xmlns:a="http://schemas.openxmlformats.org/drawingml/2006/main" sz="4600" i="1">
+                      <a:solidFill>
+                        <a:srgbClr val="000000"/>
+                      </a:solidFill>
+                      <a:latin typeface="Cambria Math" panose="02040503050406030204" pitchFamily="18" charset="0"/>
+                    </a:rPr>
+                    <m:t>I</m:t>
+                  </m:r>
+                  <m:r>
+                    <a:rPr xmlns:a="http://schemas.openxmlformats.org/drawingml/2006/main" sz="4600" i="1">
+                      <a:solidFill>
+                        <a:srgbClr val="000000"/>
+                      </a:solidFill>
+                      <a:latin typeface="Cambria Math" panose="02040503050406030204" pitchFamily="18" charset="0"/>
+                    </a:rPr>
+                    <m:t>(</m:t>
+                  </m:r>
+                  <m:r>
+                    <a:rPr xmlns:a="http://schemas.openxmlformats.org/drawingml/2006/main" sz="4600" i="1">
+                      <a:solidFill>
+                        <a:srgbClr val="000000"/>
+                      </a:solidFill>
+                      <a:latin typeface="Cambria Math" panose="02040503050406030204" pitchFamily="18" charset="0"/>
+                    </a:rPr>
+                    <m:t>x</m:t>
+                  </m:r>
+                  <m:r>
+                    <a:rPr xmlns:a="http://schemas.openxmlformats.org/drawingml/2006/main" sz="4600" i="1">
+                      <a:solidFill>
+                        <a:srgbClr val="000000"/>
+                      </a:solidFill>
+                      <a:latin typeface="Cambria Math" panose="02040503050406030204" pitchFamily="18" charset="0"/>
+                    </a:rPr>
+                    <m:t>)</m:t>
+                  </m:r>
+                  <m:r>
+                    <a:rPr xmlns:a="http://schemas.openxmlformats.org/drawingml/2006/main" sz="4600" i="1">
+                      <a:solidFill>
+                        <a:srgbClr val="000000"/>
+                      </a:solidFill>
+                      <a:latin typeface="Cambria Math" panose="02040503050406030204" pitchFamily="18" charset="0"/>
+                    </a:rPr>
+                    <m:t>=</m:t>
+                  </m:r>
+                  <m:r>
+                    <a:rPr xmlns:a="http://schemas.openxmlformats.org/drawingml/2006/main" sz="4600" i="1">
+                      <a:solidFill>
+                        <a:srgbClr val="000000"/>
+                      </a:solidFill>
+                      <a:latin typeface="Cambria Math" panose="02040503050406030204" pitchFamily="18" charset="0"/>
+                    </a:rPr>
+                    <m:t>i</m:t>
+                  </m:r>
+                  <m:r>
+                    <a:rPr xmlns:a="http://schemas.openxmlformats.org/drawingml/2006/main" sz="4600" i="1">
+                      <a:solidFill>
+                        <a:srgbClr val="000000"/>
+                      </a:solidFill>
+                      <a:latin typeface="Cambria Math" panose="02040503050406030204" pitchFamily="18" charset="0"/>
+                    </a:rPr>
+                    <m:t>,</m:t>
+                  </m:r>
+                  <m:r>
+                    <a:rPr xmlns:a="http://schemas.openxmlformats.org/drawingml/2006/main" sz="4600" i="1">
+                      <a:solidFill>
+                        <a:srgbClr val="000000"/>
+                      </a:solidFill>
+                      <a:latin typeface="Cambria Math" panose="02040503050406030204" pitchFamily="18" charset="0"/>
+                    </a:rPr>
+                    <m:t>I</m:t>
+                  </m:r>
+                  <m:r>
+                    <a:rPr xmlns:a="http://schemas.openxmlformats.org/drawingml/2006/main" sz="4600" i="1">
+                      <a:solidFill>
+                        <a:srgbClr val="000000"/>
+                      </a:solidFill>
+                      <a:latin typeface="Cambria Math" panose="02040503050406030204" pitchFamily="18" charset="0"/>
+                    </a:rPr>
+                    <m:t>(</m:t>
+                  </m:r>
+                  <m:r>
+                    <a:rPr xmlns:a="http://schemas.openxmlformats.org/drawingml/2006/main" sz="4600" i="1">
+                      <a:solidFill>
+                        <a:srgbClr val="000000"/>
+                      </a:solidFill>
+                      <a:latin typeface="Cambria Math" panose="02040503050406030204" pitchFamily="18" charset="0"/>
+                    </a:rPr>
+                    <m:t>y</m:t>
+                  </m:r>
+                  <m:r>
+                    <a:rPr xmlns:a="http://schemas.openxmlformats.org/drawingml/2006/main" sz="4600" i="1">
+                      <a:solidFill>
+                        <a:srgbClr val="000000"/>
+                      </a:solidFill>
+                      <a:latin typeface="Cambria Math" panose="02040503050406030204" pitchFamily="18" charset="0"/>
+                    </a:rPr>
+                    <m:t>)</m:t>
+                  </m:r>
+                  <m:r>
+                    <a:rPr xmlns:a="http://schemas.openxmlformats.org/drawingml/2006/main" sz="4600" i="1">
+                      <a:solidFill>
+                        <a:srgbClr val="000000"/>
+                      </a:solidFill>
+                      <a:latin typeface="Cambria Math" panose="02040503050406030204" pitchFamily="18" charset="0"/>
+                    </a:rPr>
+                    <m:t>=</m:t>
+                  </m:r>
+                  <m:r>
+                    <a:rPr xmlns:a="http://schemas.openxmlformats.org/drawingml/2006/main" sz="4600" i="1">
+                      <a:solidFill>
+                        <a:srgbClr val="000000"/>
+                      </a:solidFill>
+                      <a:latin typeface="Cambria Math" panose="02040503050406030204" pitchFamily="18" charset="0"/>
+                    </a:rPr>
+                    <m:t>j</m:t>
+                  </m:r>
+                  <m:r>
+                    <a:rPr xmlns:a="http://schemas.openxmlformats.org/drawingml/2006/main" sz="4600" i="1">
+                      <a:solidFill>
+                        <a:srgbClr val="000000"/>
+                      </a:solidFill>
+                      <a:latin typeface="Cambria Math" panose="02040503050406030204" pitchFamily="18" charset="0"/>
+                    </a:rPr>
+                    <m:t>}</m:t>
+                  </m:r>
+                  <m:r>
+                    <a:rPr xmlns:a="http://schemas.openxmlformats.org/drawingml/2006/main" sz="4600" i="1">
+                      <a:solidFill>
+                        <a:srgbClr val="000000"/>
+                      </a:solidFill>
+                      <a:latin typeface="Cambria Math" panose="02040503050406030204" pitchFamily="18" charset="0"/>
+                    </a:rPr>
+                    <m:t>|</m:t>
+                  </m:r>
+                </m:oMath>
+              </m:oMathPara>
+            </a14:m>
+          </a:p>
+          <a:p>
+            <a:pPr marL="0" indent="0" defTabSz="2218888">
+              <a:lnSpc>
+                <a:spcPct val="100000"/>
+              </a:lnSpc>
+              <a:spcBef>
+                <a:spcPts val="4000"/>
+              </a:spcBef>
+              <a:buSzTx/>
+              <a:buNone/>
+              <a:defRPr sz="3822"/>
+            </a:pPr>
+            <a14:m>
+              <m:oMath>
+                <m:r>
+                  <a:rPr xmlns:a="http://schemas.openxmlformats.org/drawingml/2006/main" sz="4700" i="1">
+                    <a:solidFill>
+                      <a:srgbClr val="000000"/>
+                    </a:solidFill>
+                    <a:latin typeface="Cambria Math" panose="02040503050406030204" pitchFamily="18" charset="0"/>
+                  </a:rPr>
+                  <m:t>I</m:t>
+                </m:r>
+                <m:r>
+                  <a:rPr xmlns:a="http://schemas.openxmlformats.org/drawingml/2006/main" sz="4700" i="1">
+                    <a:solidFill>
+                      <a:srgbClr val="000000"/>
+                    </a:solidFill>
+                    <a:latin typeface="Cambria Math" panose="02040503050406030204" pitchFamily="18" charset="0"/>
+                  </a:rPr>
+                  <m:t>(</m:t>
+                </m:r>
+                <m:r>
+                  <a:rPr xmlns:a="http://schemas.openxmlformats.org/drawingml/2006/main" sz="4700" i="1">
+                    <a:solidFill>
+                      <a:srgbClr val="000000"/>
+                    </a:solidFill>
+                    <a:latin typeface="Cambria Math" panose="02040503050406030204" pitchFamily="18" charset="0"/>
+                  </a:rPr>
+                  <m:t>c</m:t>
+                </m:r>
+                <m:r>
+                  <a:rPr xmlns:a="http://schemas.openxmlformats.org/drawingml/2006/main" sz="4700" i="1">
+                    <a:solidFill>
+                      <a:srgbClr val="000000"/>
+                    </a:solidFill>
+                    <a:latin typeface="Cambria Math" panose="02040503050406030204" pitchFamily="18" charset="0"/>
+                  </a:rPr>
+                  <m:t>)</m:t>
+                </m:r>
+              </m:oMath>
+            </a14:m>
+            <a:r>
+              <a:t> is the industry of company </a:t>
+            </a:r>
+            <a14:m>
+              <m:oMath>
+                <m:r>
+                  <a:rPr xmlns:a="http://schemas.openxmlformats.org/drawingml/2006/main" sz="5150" i="1">
+                    <a:solidFill>
+                      <a:srgbClr val="000000"/>
+                    </a:solidFill>
+                    <a:latin typeface="Cambria Math" panose="02040503050406030204" pitchFamily="18" charset="0"/>
+                  </a:rPr>
+                  <m:t>c</m:t>
+                </m:r>
+              </m:oMath>
+            </a14:m>
+            <a:endParaRPr sz="4200"/>
+          </a:p>
+        </p:txBody>
+      </p:sp>
+    </p:spTree>
+  </p:cSld>
+  <p:clrMapOvr>
+    <a:masterClrMapping/>
+  </p:clrMapOvr>
+  <p:transition xmlns:p14="http://schemas.microsoft.com/office/powerpoint/2010/main" spd="med" advClick="1"/>
+</p:sld>
+</file>
+
+<file path=ppt/slides/slide14.xml><?xml version="1.0" encoding="utf-8"?>
+<p:sld xmlns:a="http://schemas.openxmlformats.org/drawingml/2006/main" xmlns:r="http://schemas.openxmlformats.org/officeDocument/2006/relationships" xmlns:p="http://schemas.openxmlformats.org/presentationml/2006/main" xmlns:m="http://schemas.openxmlformats.org/officeDocument/2006/math" xmlns:a14="http://schemas.microsoft.com/office/drawing/2010/main" showMasterSp="1" showMasterPhAnim="1">
+  <p:cSld>
+    <p:spTree>
+      <p:nvGrpSpPr>
+        <p:cNvPr id="1" name=""/>
+        <p:cNvGrpSpPr/>
+        <p:nvPr/>
+      </p:nvGrpSpPr>
+      <p:grpSpPr>
+        <a:xfrm>
+          <a:off x="0" y="0"/>
+          <a:ext cx="0" cy="0"/>
+          <a:chOff x="0" y="0"/>
+          <a:chExt cx="0" cy="0"/>
+        </a:xfrm>
+      </p:grpSpPr>
+      <p:pic>
+        <p:nvPicPr>
+          <p:cNvPr id="196" name="industry_map.png" descr="industry_map.png"/>
+          <p:cNvPicPr>
+            <a:picLocks noChangeAspect="1"/>
+          </p:cNvPicPr>
+          <p:nvPr/>
+        </p:nvPicPr>
+        <p:blipFill>
+          <a:blip r:embed="rId2">
+            <a:extLst/>
+          </a:blip>
+          <a:stretch>
+            <a:fillRect/>
+          </a:stretch>
+        </p:blipFill>
+        <p:spPr>
+          <a:xfrm>
+            <a:off x="1965869" y="1711735"/>
+            <a:ext cx="22508844" cy="11254423"/>
+          </a:xfrm>
+          <a:prstGeom prst="rect">
+            <a:avLst/>
+          </a:prstGeom>
+          <a:ln w="12700">
+            <a:miter lim="400000"/>
+          </a:ln>
+        </p:spPr>
+      </p:pic>
+      <p:sp>
+        <p:nvSpPr>
+          <p:cNvPr id="197" name="Raw Industry Map"/>
+          <p:cNvSpPr txBox="1"/>
+          <p:nvPr>
+            <p:ph type="title"/>
+          </p:nvPr>
+        </p:nvSpPr>
+        <p:spPr>
+          <a:xfrm>
+            <a:off x="1206500" y="1270000"/>
+            <a:ext cx="9779000" cy="1347918"/>
+          </a:xfrm>
+          <a:prstGeom prst="rect">
+            <a:avLst/>
+          </a:prstGeom>
+        </p:spPr>
+        <p:txBody>
+          <a:bodyPr/>
+          <a:lstStyle>
+            <a:lvl1pPr defTabSz="2365188">
+              <a:defRPr spc="-164" sz="8245"/>
+            </a:lvl1pPr>
+          </a:lstStyle>
+          <a:p>
+            <a:pPr/>
+            <a:r>
+              <a:t>Raw Industry Map</a:t>
+            </a:r>
+          </a:p>
+        </p:txBody>
+      </p:sp>
+    </p:spTree>
+  </p:cSld>
+  <p:clrMapOvr>
+    <a:masterClrMapping/>
+  </p:clrMapOvr>
+  <p:transition xmlns:p14="http://schemas.microsoft.com/office/powerpoint/2010/main" spd="med" advClick="1"/>
+</p:sld>
+</file>
+
+<file path=ppt/slides/slide15.xml><?xml version="1.0" encoding="utf-8"?>
+<p:sld xmlns:a="http://schemas.openxmlformats.org/drawingml/2006/main" xmlns:r="http://schemas.openxmlformats.org/officeDocument/2006/relationships" xmlns:p="http://schemas.openxmlformats.org/presentationml/2006/main" xmlns:m="http://schemas.openxmlformats.org/officeDocument/2006/math" xmlns:a14="http://schemas.microsoft.com/office/drawing/2010/main" showMasterSp="1" showMasterPhAnim="1">
+  <p:cSld>
+    <p:spTree>
+      <p:nvGrpSpPr>
+        <p:cNvPr id="1" name=""/>
+        <p:cNvGrpSpPr/>
+        <p:nvPr/>
+      </p:nvGrpSpPr>
+      <p:grpSpPr>
+        <a:xfrm>
+          <a:off x="0" y="0"/>
+          <a:ext cx="0" cy="0"/>
+          <a:chOff x="0" y="0"/>
+          <a:chExt cx="0" cy="0"/>
+        </a:xfrm>
+      </p:grpSpPr>
+      <p:sp>
+        <p:nvSpPr>
+          <p:cNvPr id="199" name="Local weights histogram"/>
+          <p:cNvSpPr txBox="1"/>
+          <p:nvPr>
+            <p:ph type="title"/>
+          </p:nvPr>
+        </p:nvSpPr>
+        <p:spPr>
+          <a:xfrm>
+            <a:off x="1206500" y="1270000"/>
+            <a:ext cx="15453291" cy="1347918"/>
+          </a:xfrm>
+          <a:prstGeom prst="rect">
+            <a:avLst/>
+          </a:prstGeom>
+        </p:spPr>
+        <p:txBody>
+          <a:bodyPr/>
+          <a:lstStyle>
+            <a:lvl1pPr defTabSz="2365188">
+              <a:defRPr spc="-164" sz="8245"/>
+            </a:lvl1pPr>
+          </a:lstStyle>
+          <a:p>
+            <a:pPr/>
+            <a:r>
+              <a:t>Local weights histogram</a:t>
+            </a:r>
+          </a:p>
+        </p:txBody>
+      </p:sp>
+      <p:pic>
+        <p:nvPicPr>
+          <p:cNvPr id="200" name="medical_devices.png" descr="medical_devices.png"/>
+          <p:cNvPicPr>
+            <a:picLocks noChangeAspect="1"/>
+          </p:cNvPicPr>
+          <p:nvPr/>
+        </p:nvPicPr>
+        <p:blipFill>
+          <a:blip r:embed="rId2">
+            <a:extLst/>
+          </a:blip>
+          <a:srcRect l="0" t="3756" r="0" b="0"/>
+          <a:stretch>
+            <a:fillRect/>
+          </a:stretch>
+        </p:blipFill>
+        <p:spPr>
+          <a:xfrm>
+            <a:off x="1001865" y="3751451"/>
+            <a:ext cx="22380270" cy="9248124"/>
+          </a:xfrm>
+          <a:prstGeom prst="rect">
+            <a:avLst/>
+          </a:prstGeom>
+          <a:ln w="12700">
+            <a:miter lim="400000"/>
+          </a:ln>
+        </p:spPr>
+      </p:pic>
+      <p:sp>
+        <p:nvSpPr>
+          <p:cNvPr id="201" name="Medical Devices - Edges weight histogram"/>
+          <p:cNvSpPr txBox="1"/>
+          <p:nvPr/>
+        </p:nvSpPr>
+        <p:spPr>
+          <a:xfrm>
+            <a:off x="9227667" y="3236642"/>
+            <a:ext cx="5928666" cy="461367"/>
+          </a:xfrm>
+          <a:prstGeom prst="rect">
+            <a:avLst/>
+          </a:prstGeom>
+          <a:ln w="12700">
+            <a:miter lim="400000"/>
+          </a:ln>
+          <a:extLst>
+            <a:ext uri="{C572A759-6A51-4108-AA02-DFA0A04FC94B}">
+              <ma14:wrappingTextBoxFlag xmlns:ma14="http://schemas.microsoft.com/office/mac/drawingml/2011/main" val="1"/>
+            </a:ext>
+          </a:extLst>
+        </p:spPr>
+        <p:txBody>
+          <a:bodyPr wrap="none" lIns="50800" tIns="50800" rIns="50800" bIns="50800" anchor="ctr">
+            <a:spAutoFit/>
+          </a:bodyPr>
+          <a:lstStyle/>
+          <a:p>
+            <a:pPr/>
+            <a:r>
+              <a:t>Medical Devices - Edges weight histogram</a:t>
+            </a:r>
+          </a:p>
+        </p:txBody>
+      </p:sp>
+      <p:sp>
+        <p:nvSpPr>
+          <p:cNvPr id="202" name="Important Relations"/>
+          <p:cNvSpPr txBox="1"/>
+          <p:nvPr/>
+        </p:nvSpPr>
+        <p:spPr>
+          <a:xfrm>
+            <a:off x="18640302" y="5625557"/>
+            <a:ext cx="1435609" cy="829667"/>
+          </a:xfrm>
+          <a:prstGeom prst="rect">
+            <a:avLst/>
+          </a:prstGeom>
+          <a:ln w="12700">
+            <a:miter lim="400000"/>
+          </a:ln>
+          <a:extLst>
+            <a:ext uri="{C572A759-6A51-4108-AA02-DFA0A04FC94B}">
+              <ma14:wrappingTextBoxFlag xmlns:ma14="http://schemas.microsoft.com/office/mac/drawingml/2011/main" val="1"/>
+            </a:ext>
+          </a:extLst>
+        </p:spPr>
+        <p:txBody>
+          <a:bodyPr wrap="none" lIns="50800" tIns="50800" rIns="50800" bIns="50800" anchor="ctr">
+            <a:spAutoFit/>
+          </a:bodyPr>
+          <a:lstStyle/>
+          <a:p>
+            <a:pPr/>
+            <a:r>
+              <a:t>Important</a:t>
+            </a:r>
+            <a:br/>
+            <a:r>
+              <a:t>Relations</a:t>
+            </a:r>
+          </a:p>
+        </p:txBody>
+      </p:sp>
+      <p:sp>
+        <p:nvSpPr>
+          <p:cNvPr id="203" name="Less Important Relations"/>
+          <p:cNvSpPr txBox="1"/>
+          <p:nvPr/>
+        </p:nvSpPr>
+        <p:spPr>
+          <a:xfrm>
+            <a:off x="14705938" y="7094905"/>
+            <a:ext cx="2158290" cy="829667"/>
+          </a:xfrm>
+          <a:prstGeom prst="rect">
+            <a:avLst/>
+          </a:prstGeom>
+          <a:ln w="12700">
+            <a:miter lim="400000"/>
+          </a:ln>
+          <a:extLst>
+            <a:ext uri="{C572A759-6A51-4108-AA02-DFA0A04FC94B}">
+              <ma14:wrappingTextBoxFlag xmlns:ma14="http://schemas.microsoft.com/office/mac/drawingml/2011/main" val="1"/>
+            </a:ext>
+          </a:extLst>
+        </p:spPr>
+        <p:txBody>
+          <a:bodyPr wrap="none" lIns="50800" tIns="50800" rIns="50800" bIns="50800" anchor="ctr">
+            <a:spAutoFit/>
+          </a:bodyPr>
+          <a:lstStyle/>
+          <a:p>
+            <a:pPr/>
+            <a:r>
+              <a:t>Less Important</a:t>
+            </a:r>
+            <a:br/>
+            <a:r>
+              <a:t>Relations</a:t>
+            </a:r>
+          </a:p>
+        </p:txBody>
+      </p:sp>
+      <p:sp>
+        <p:nvSpPr>
+          <p:cNvPr id="204" name="Line"/>
+          <p:cNvSpPr/>
+          <p:nvPr/>
+        </p:nvSpPr>
+        <p:spPr>
+          <a:xfrm>
+            <a:off x="19967646" y="6535696"/>
+            <a:ext cx="1426082" cy="1604553"/>
+          </a:xfrm>
+          <a:prstGeom prst="line">
+            <a:avLst/>
+          </a:prstGeom>
+          <a:ln w="25400">
+            <a:solidFill>
+              <a:srgbClr val="000000"/>
+            </a:solidFill>
+            <a:miter lim="400000"/>
+            <a:tailEnd type="triangle"/>
+          </a:ln>
+        </p:spPr>
+        <p:txBody>
+          <a:bodyPr lIns="50800" tIns="50800" rIns="50800" bIns="50800" anchor="ctr"/>
+          <a:lstStyle/>
+          <a:p>
+            <a:pPr/>
+          </a:p>
+        </p:txBody>
+      </p:sp>
+      <p:sp>
+        <p:nvSpPr>
+          <p:cNvPr id="205" name="Line"/>
+          <p:cNvSpPr/>
+          <p:nvPr/>
+        </p:nvSpPr>
+        <p:spPr>
+          <a:xfrm>
+            <a:off x="16679925" y="7865063"/>
+            <a:ext cx="1920490" cy="1337246"/>
+          </a:xfrm>
+          <a:prstGeom prst="line">
+            <a:avLst/>
+          </a:prstGeom>
+          <a:ln w="25400">
+            <a:solidFill>
+              <a:srgbClr val="000000"/>
+            </a:solidFill>
+            <a:miter lim="400000"/>
+            <a:tailEnd type="triangle"/>
+          </a:ln>
+        </p:spPr>
+        <p:txBody>
+          <a:bodyPr lIns="50800" tIns="50800" rIns="50800" bIns="50800" anchor="ctr"/>
+          <a:lstStyle/>
+          <a:p>
+            <a:pPr/>
+          </a:p>
+        </p:txBody>
+      </p:sp>
+    </p:spTree>
+  </p:cSld>
+  <p:clrMapOvr>
+    <a:masterClrMapping/>
+  </p:clrMapOvr>
+  <p:transition xmlns:p14="http://schemas.microsoft.com/office/powerpoint/2010/main" spd="med" advClick="1"/>
+</p:sld>
+</file>
+
+<file path=ppt/slides/slide16.xml><?xml version="1.0" encoding="utf-8"?>
+<p:sld xmlns:a="http://schemas.openxmlformats.org/drawingml/2006/main" xmlns:r="http://schemas.openxmlformats.org/officeDocument/2006/relationships" xmlns:p="http://schemas.openxmlformats.org/presentationml/2006/main" xmlns:m="http://schemas.openxmlformats.org/officeDocument/2006/math" xmlns:a14="http://schemas.microsoft.com/office/drawing/2010/main" showMasterSp="1" showMasterPhAnim="1">
+  <p:cSld>
+    <p:spTree>
+      <p:nvGrpSpPr>
+        <p:cNvPr id="1" name=""/>
+        <p:cNvGrpSpPr/>
+        <p:nvPr/>
+      </p:nvGrpSpPr>
+      <p:grpSpPr>
+        <a:xfrm>
+          <a:off x="0" y="0"/>
+          <a:ext cx="0" cy="0"/>
+          <a:chOff x="0" y="0"/>
+          <a:chExt cx="0" cy="0"/>
+        </a:xfrm>
+      </p:grpSpPr>
+      <p:pic>
+        <p:nvPicPr>
+          <p:cNvPr id="207" name="filtered_industry_map_directed.png" descr="filtered_industry_map_directed.png"/>
+          <p:cNvPicPr>
+            <a:picLocks noChangeAspect="1"/>
+          </p:cNvPicPr>
+          <p:nvPr/>
+        </p:nvPicPr>
+        <p:blipFill>
+          <a:blip r:embed="rId2">
+            <a:extLst/>
+          </a:blip>
+          <a:srcRect l="1931" t="7368" r="4279" b="7368"/>
+          <a:stretch>
+            <a:fillRect/>
+          </a:stretch>
+        </p:blipFill>
+        <p:spPr>
+          <a:xfrm>
+            <a:off x="9135716" y="267543"/>
+            <a:ext cx="14878118" cy="13180894"/>
+          </a:xfrm>
+          <a:prstGeom prst="rect">
+            <a:avLst/>
+          </a:prstGeom>
+          <a:ln w="12700">
+            <a:miter lim="400000"/>
+          </a:ln>
+        </p:spPr>
+      </p:pic>
+      <p:sp>
+        <p:nvSpPr>
+          <p:cNvPr id="208" name="Filtered Industry Map"/>
+          <p:cNvSpPr txBox="1"/>
+          <p:nvPr>
+            <p:ph type="title"/>
+          </p:nvPr>
+        </p:nvSpPr>
+        <p:spPr>
+          <a:xfrm>
+            <a:off x="1206500" y="1270000"/>
+            <a:ext cx="9779000" cy="1347918"/>
+          </a:xfrm>
+          <a:prstGeom prst="rect">
+            <a:avLst/>
+          </a:prstGeom>
+        </p:spPr>
+        <p:txBody>
+          <a:bodyPr/>
+          <a:lstStyle>
+            <a:lvl1pPr defTabSz="2243271">
+              <a:defRPr spc="-156" sz="7820"/>
+            </a:lvl1pPr>
+          </a:lstStyle>
+          <a:p>
+            <a:pPr/>
+            <a:r>
+              <a:t>Filtered Industry Map</a:t>
+            </a:r>
+          </a:p>
+        </p:txBody>
+      </p:sp>
+      <p:sp>
+        <p:nvSpPr>
+          <p:cNvPr id="209" name="- For each node we retained only the top 5% of edges according to their weight…"/>
+          <p:cNvSpPr txBox="1"/>
+          <p:nvPr>
+            <p:ph type="body" sz="half" idx="1"/>
+          </p:nvPr>
+        </p:nvSpPr>
+        <p:spPr>
+          <a:xfrm>
+            <a:off x="1062215" y="5066114"/>
+            <a:ext cx="8988683" cy="8256011"/>
+          </a:xfrm>
+          <a:prstGeom prst="rect">
+            <a:avLst/>
+          </a:prstGeom>
+        </p:spPr>
+        <p:txBody>
+          <a:bodyPr/>
+          <a:lstStyle/>
+          <a:p>
+            <a:pPr defTabSz="2438338">
+              <a:lnSpc>
+                <a:spcPct val="90000"/>
+              </a:lnSpc>
+              <a:spcBef>
+                <a:spcPts val="4500"/>
+              </a:spcBef>
+              <a:defRPr b="0" sz="4800"/>
+            </a:pPr>
+            <a:r>
+              <a:t>- For each node we retained only the top 5% of edges according to their weight</a:t>
+            </a:r>
+          </a:p>
+          <a:p>
+            <a:pPr defTabSz="2438338">
+              <a:lnSpc>
+                <a:spcPct val="90000"/>
+              </a:lnSpc>
+              <a:spcBef>
+                <a:spcPts val="4500"/>
+              </a:spcBef>
+              <a:defRPr b="0" sz="4800"/>
+            </a:pPr>
+            <a:r>
+              <a:t>- Keeping only the important relations, results in a cleaner graph</a:t>
+            </a:r>
+          </a:p>
+          <a:p>
+            <a:pPr defTabSz="2438338">
+              <a:lnSpc>
+                <a:spcPct val="90000"/>
+              </a:lnSpc>
+              <a:spcBef>
+                <a:spcPts val="4500"/>
+              </a:spcBef>
+              <a:defRPr b="0" sz="4800"/>
+            </a:pPr>
+            <a:r>
+              <a:t>- Spring Layout</a:t>
+            </a:r>
+          </a:p>
+        </p:txBody>
+      </p:sp>
+    </p:spTree>
+  </p:cSld>
+  <p:clrMapOvr>
+    <a:masterClrMapping/>
+  </p:clrMapOvr>
+  <p:transition xmlns:p14="http://schemas.microsoft.com/office/powerpoint/2010/main" spd="med" advClick="1"/>
+</p:sld>
+</file>
+
+<file path=ppt/slides/slide17.xml><?xml version="1.0" encoding="utf-8"?>
+<p:sld xmlns:a="http://schemas.openxmlformats.org/drawingml/2006/main" xmlns:r="http://schemas.openxmlformats.org/officeDocument/2006/relationships" xmlns:p="http://schemas.openxmlformats.org/presentationml/2006/main" xmlns:m="http://schemas.openxmlformats.org/officeDocument/2006/math" xmlns:a14="http://schemas.microsoft.com/office/drawing/2010/main" showMasterSp="1" showMasterPhAnim="1">
+  <p:cSld>
+    <p:spTree>
+      <p:nvGrpSpPr>
+        <p:cNvPr id="1" name=""/>
+        <p:cNvGrpSpPr/>
+        <p:nvPr/>
+      </p:nvGrpSpPr>
+      <p:grpSpPr>
+        <a:xfrm>
+          <a:off x="0" y="0"/>
+          <a:ext cx="0" cy="0"/>
+          <a:chOff x="0" y="0"/>
+          <a:chExt cx="0" cy="0"/>
+        </a:xfrm>
+      </p:grpSpPr>
+      <p:pic>
+        <p:nvPicPr>
+          <p:cNvPr id="211" name="computer_software_neighberhood.png" descr="computer_software_neighberhood.png"/>
+          <p:cNvPicPr>
+            <a:picLocks noChangeAspect="1"/>
+          </p:cNvPicPr>
+          <p:nvPr/>
+        </p:nvPicPr>
+        <p:blipFill>
+          <a:blip r:embed="rId2">
+            <a:extLst/>
+          </a:blip>
+          <a:srcRect l="1261" t="4598" r="1261" b="7457"/>
+          <a:stretch>
+            <a:fillRect/>
+          </a:stretch>
+        </p:blipFill>
+        <p:spPr>
+          <a:xfrm>
+            <a:off x="11010866" y="581660"/>
+            <a:ext cx="13615206" cy="11966142"/>
+          </a:xfrm>
+          <a:prstGeom prst="rect">
+            <a:avLst/>
+          </a:prstGeom>
+          <a:ln w="12700">
+            <a:miter lim="400000"/>
+          </a:ln>
+        </p:spPr>
+      </p:pic>
+      <p:sp>
+        <p:nvSpPr>
+          <p:cNvPr id="212" name="Computer Software Neighborhood"/>
+          <p:cNvSpPr txBox="1"/>
+          <p:nvPr>
+            <p:ph type="title"/>
+          </p:nvPr>
+        </p:nvSpPr>
+        <p:spPr>
+          <a:xfrm>
+            <a:off x="797695" y="1495805"/>
+            <a:ext cx="12253737" cy="1227307"/>
+          </a:xfrm>
+          <a:prstGeom prst="rect">
+            <a:avLst/>
+          </a:prstGeom>
+        </p:spPr>
+        <p:txBody>
+          <a:bodyPr/>
+          <a:lstStyle>
+            <a:lvl1pPr defTabSz="1731220">
+              <a:defRPr spc="-120" sz="6035"/>
+            </a:lvl1pPr>
+          </a:lstStyle>
+          <a:p>
+            <a:pPr/>
+            <a:r>
+              <a:t>Computer Software Neighborhood </a:t>
+            </a:r>
+          </a:p>
+        </p:txBody>
+      </p:sp>
+      <p:sp>
+        <p:nvSpPr>
+          <p:cNvPr id="213" name="Subgraph of “Computer Software” and it’s second degree neighbors"/>
+          <p:cNvSpPr txBox="1"/>
+          <p:nvPr>
+            <p:ph type="body" sz="quarter" idx="1"/>
+          </p:nvPr>
+        </p:nvSpPr>
+        <p:spPr>
+          <a:xfrm>
+            <a:off x="6591779" y="12930468"/>
+            <a:ext cx="11200442" cy="2139182"/>
+          </a:xfrm>
+          <a:prstGeom prst="rect">
+            <a:avLst/>
+          </a:prstGeom>
+        </p:spPr>
+        <p:txBody>
+          <a:bodyPr/>
+          <a:lstStyle>
+            <a:lvl1pPr algn="ctr" defTabSz="2438338">
+              <a:defRPr b="0" sz="2400">
+                <a:solidFill>
+                  <a:srgbClr val="5E5E5E"/>
+                </a:solidFill>
+              </a:defRPr>
+            </a:lvl1pPr>
+          </a:lstStyle>
+          <a:p>
+            <a:pPr/>
+            <a:r>
+              <a:t>Subgraph of “Computer Software” and it’s second degree neighbors</a:t>
+            </a:r>
+          </a:p>
+        </p:txBody>
+      </p:sp>
+    </p:spTree>
+  </p:cSld>
+  <p:clrMapOvr>
+    <a:masterClrMapping/>
+  </p:clrMapOvr>
+  <p:transition xmlns:p14="http://schemas.microsoft.com/office/powerpoint/2010/main" spd="med" advClick="1"/>
+</p:sld>
+</file>
+
+<file path=ppt/slides/slide18.xml><?xml version="1.0" encoding="utf-8"?>
+<p:sld xmlns:a="http://schemas.openxmlformats.org/drawingml/2006/main" xmlns:r="http://schemas.openxmlformats.org/officeDocument/2006/relationships" xmlns:p="http://schemas.openxmlformats.org/presentationml/2006/main" xmlns:m="http://schemas.openxmlformats.org/officeDocument/2006/math" xmlns:a14="http://schemas.microsoft.com/office/drawing/2010/main" showMasterSp="1" showMasterPhAnim="1">
+  <p:cSld>
+    <p:spTree>
+      <p:nvGrpSpPr>
+        <p:cNvPr id="1" name=""/>
+        <p:cNvGrpSpPr/>
+        <p:nvPr/>
+      </p:nvGrpSpPr>
+      <p:grpSpPr>
+        <a:xfrm>
+          <a:off x="0" y="0"/>
+          <a:ext cx="0" cy="0"/>
+          <a:chOff x="0" y="0"/>
+          <a:chExt cx="0" cy="0"/>
+        </a:xfrm>
+      </p:grpSpPr>
+      <p:pic>
+        <p:nvPicPr>
+          <p:cNvPr id="215" name="banking_neighbors.png" descr="banking_neighbors.png"/>
+          <p:cNvPicPr>
+            <a:picLocks noChangeAspect="1"/>
+          </p:cNvPicPr>
+          <p:nvPr/>
+        </p:nvPicPr>
+        <p:blipFill>
+          <a:blip r:embed="rId2">
+            <a:extLst/>
+          </a:blip>
+          <a:srcRect l="4695" t="4499" r="1239" b="5939"/>
+          <a:stretch>
+            <a:fillRect/>
+          </a:stretch>
+        </p:blipFill>
+        <p:spPr>
+          <a:xfrm>
+            <a:off x="9281474" y="599479"/>
+            <a:ext cx="13495383" cy="12517051"/>
+          </a:xfrm>
+          <a:prstGeom prst="rect">
+            <a:avLst/>
+          </a:prstGeom>
+          <a:ln w="12700">
+            <a:miter lim="400000"/>
+          </a:ln>
+        </p:spPr>
+      </p:pic>
+      <p:sp>
+        <p:nvSpPr>
+          <p:cNvPr id="216" name="Banking Neighborhood"/>
+          <p:cNvSpPr txBox="1"/>
+          <p:nvPr>
+            <p:ph type="title"/>
+          </p:nvPr>
+        </p:nvSpPr>
+        <p:spPr>
+          <a:xfrm>
+            <a:off x="797695" y="1495805"/>
+            <a:ext cx="12253737" cy="1227307"/>
+          </a:xfrm>
+          <a:prstGeom prst="rect">
+            <a:avLst/>
+          </a:prstGeom>
+        </p:spPr>
+        <p:txBody>
+          <a:bodyPr/>
+          <a:lstStyle>
+            <a:lvl1pPr defTabSz="2145738">
+              <a:defRPr spc="-149" sz="7480"/>
+            </a:lvl1pPr>
+          </a:lstStyle>
+          <a:p>
+            <a:pPr/>
+            <a:r>
+              <a:t>Banking Neighborhood </a:t>
+            </a:r>
+          </a:p>
+        </p:txBody>
+      </p:sp>
+      <p:sp>
+        <p:nvSpPr>
+          <p:cNvPr id="217" name="Subgraph of “Banking” and it’s neighbors"/>
+          <p:cNvSpPr txBox="1"/>
+          <p:nvPr>
+            <p:ph type="body" sz="quarter" idx="1"/>
+          </p:nvPr>
+        </p:nvSpPr>
+        <p:spPr>
+          <a:xfrm>
+            <a:off x="7694806" y="12810231"/>
+            <a:ext cx="8994388" cy="2139182"/>
+          </a:xfrm>
+          <a:prstGeom prst="rect">
+            <a:avLst/>
+          </a:prstGeom>
+        </p:spPr>
+        <p:txBody>
+          <a:bodyPr/>
+          <a:lstStyle>
+            <a:lvl1pPr algn="ctr" defTabSz="2438338">
+              <a:defRPr b="0" sz="2400">
+                <a:solidFill>
+                  <a:srgbClr val="5E5E5E"/>
+                </a:solidFill>
+              </a:defRPr>
+            </a:lvl1pPr>
+          </a:lstStyle>
+          <a:p>
+            <a:pPr/>
+            <a:r>
+              <a:t>Subgraph of “Banking” and it’s neighbors</a:t>
+            </a:r>
+          </a:p>
+        </p:txBody>
+      </p:sp>
+    </p:spTree>
+  </p:cSld>
+  <p:clrMapOvr>
+    <a:masterClrMapping/>
+  </p:clrMapOvr>
+  <p:transition xmlns:p14="http://schemas.microsoft.com/office/powerpoint/2010/main" spd="med" advClick="1"/>
+</p:sld>
+</file>
+
+<file path=ppt/slides/slide19.xml><?xml version="1.0" encoding="utf-8"?>
+<p:sld xmlns:a="http://schemas.openxmlformats.org/drawingml/2006/main" xmlns:r="http://schemas.openxmlformats.org/officeDocument/2006/relationships" xmlns:p="http://schemas.openxmlformats.org/presentationml/2006/main" xmlns:m="http://schemas.openxmlformats.org/officeDocument/2006/math" xmlns:a14="http://schemas.microsoft.com/office/drawing/2010/main" showMasterSp="1" showMasterPhAnim="1">
+  <p:cSld>
+    <p:spTree>
+      <p:nvGrpSpPr>
+        <p:cNvPr id="1" name=""/>
+        <p:cNvGrpSpPr/>
+        <p:nvPr/>
+      </p:nvGrpSpPr>
+      <p:grpSpPr>
+        <a:xfrm>
+          <a:off x="0" y="0"/>
+          <a:ext cx="0" cy="0"/>
+          <a:chOff x="0" y="0"/>
+          <a:chExt cx="0" cy="0"/>
+        </a:xfrm>
+      </p:grpSpPr>
+      <p:sp>
+        <p:nvSpPr>
+          <p:cNvPr id="219" name="Summary"/>
+          <p:cNvSpPr txBox="1"/>
+          <p:nvPr>
+            <p:ph type="title"/>
+          </p:nvPr>
+        </p:nvSpPr>
+        <p:spPr>
+          <a:prstGeom prst="rect">
+            <a:avLst/>
+          </a:prstGeom>
+        </p:spPr>
+        <p:txBody>
+          <a:bodyPr/>
+          <a:lstStyle/>
+          <a:p>
+            <a:pPr/>
+            <a:r>
+              <a:t>Summary</a:t>
+            </a:r>
+          </a:p>
+        </p:txBody>
+      </p:sp>
+      <p:sp>
+        <p:nvSpPr>
+          <p:cNvPr id="220" name="The industry map settles with our knowledge about industry relations…"/>
+          <p:cNvSpPr txBox="1"/>
+          <p:nvPr>
+            <p:ph type="body" idx="1"/>
+          </p:nvPr>
+        </p:nvSpPr>
+        <p:spPr>
+          <a:prstGeom prst="rect">
+            <a:avLst/>
+          </a:prstGeom>
+        </p:spPr>
+        <p:txBody>
+          <a:bodyPr/>
+          <a:lstStyle/>
+          <a:p>
+            <a:pPr marL="698500" indent="-698500">
+              <a:buSzPct val="123000"/>
+              <a:buChar char="•"/>
+            </a:pPr>
+            <a:r>
+              <a:t>The industry map settles with our knowledge about industry relations</a:t>
+            </a:r>
+          </a:p>
+          <a:p>
+            <a:pPr marL="698500" indent="-698500">
+              <a:buSzPct val="123000"/>
+              <a:buChar char="•"/>
+            </a:pPr>
+            <a:r>
+              <a:t>More informative than usual clustering </a:t>
+            </a:r>
+            <a:br/>
+            <a:r>
+              <a:t>(measurable distance using weighted shortest-path)</a:t>
+            </a:r>
+          </a:p>
+          <a:p>
+            <a:pPr marL="698500" indent="-698500">
+              <a:buSzPct val="123000"/>
+              <a:buChar char="•"/>
+            </a:pPr>
+            <a:r>
+              <a:t>This pipeline can be easily applied on datasets from other domains (e.g., Product description and category)</a:t>
+            </a:r>
+          </a:p>
+        </p:txBody>
+      </p:sp>
+      <p:sp>
+        <p:nvSpPr>
+          <p:cNvPr id="221" name="“We connect people who make community for a better world of changes”…"/>
+          <p:cNvSpPr txBox="1"/>
+          <p:nvPr/>
+        </p:nvSpPr>
+        <p:spPr>
+          <a:xfrm>
+            <a:off x="5602743" y="10725639"/>
+            <a:ext cx="13178513" cy="980288"/>
+          </a:xfrm>
+          <a:prstGeom prst="rect">
+            <a:avLst/>
+          </a:prstGeom>
+          <a:ln w="12700">
+            <a:miter lim="400000"/>
+          </a:ln>
+          <a:extLst>
+            <a:ext uri="{C572A759-6A51-4108-AA02-DFA0A04FC94B}">
+              <ma14:wrappingTextBoxFlag xmlns:ma14="http://schemas.microsoft.com/office/mac/drawingml/2011/main" val="1"/>
+            </a:ext>
+          </a:extLst>
+        </p:spPr>
+        <p:txBody>
+          <a:bodyPr lIns="50800" tIns="50800" rIns="50800" bIns="50800" anchor="ctr">
+            <a:spAutoFit/>
+          </a:bodyPr>
+          <a:lstStyle/>
+          <a:p>
+            <a:pPr>
+              <a:defRPr sz="2900"/>
+            </a:pPr>
+            <a:r>
+              <a:t>“We connect people who make community for a better world of changes”</a:t>
+            </a:r>
+          </a:p>
+          <a:p>
+            <a:pPr>
+              <a:defRPr sz="2900"/>
+            </a:pPr>
+            <a:r>
+              <a:t>~ Nadir Hackerman, WEBOS</a:t>
+            </a:r>
           </a:p>
         </p:txBody>
       </p:sp>
@@ -4169,6 +6137,10 @@
           </p:nvPr>
         </p:nvSpPr>
         <p:spPr>
+          <a:xfrm>
+            <a:off x="1206499" y="3695566"/>
+            <a:ext cx="21971001" cy="934779"/>
+          </a:xfrm>
           <a:prstGeom prst="rect">
             <a:avLst/>
           </a:prstGeom>
@@ -4180,7 +6152,9 @@
         </p:spPr>
         <p:txBody>
           <a:bodyPr/>
-          <a:lstStyle/>
+          <a:lstStyle>
+            <a:lvl1pPr algn="ctr"/>
+          </a:lstStyle>
           <a:p>
             <a:pPr/>
             <a:r>
@@ -4207,8 +6181,8 @@
         </p:blipFill>
         <p:spPr>
           <a:xfrm>
-            <a:off x="7289574" y="4586320"/>
-            <a:ext cx="9804852" cy="6344316"/>
+            <a:off x="7289574" y="5259646"/>
+            <a:ext cx="9804852" cy="6344315"/>
           </a:xfrm>
           <a:prstGeom prst="rect">
             <a:avLst/>
@@ -4270,13 +6244,17 @@
       </p:sp>
       <p:sp>
         <p:nvSpPr>
-          <p:cNvPr id="160" name="Visual insight about large corpus…"/>
+          <p:cNvPr id="160" name="Visual insight about relations in a large corpus…"/>
           <p:cNvSpPr txBox="1"/>
           <p:nvPr>
-            <p:ph type="body" idx="1"/>
+            <p:ph type="body" sz="half" idx="1"/>
           </p:nvPr>
         </p:nvSpPr>
         <p:spPr>
+          <a:xfrm>
+            <a:off x="1206500" y="4248504"/>
+            <a:ext cx="15233030" cy="8256012"/>
+          </a:xfrm>
           <a:prstGeom prst="rect">
             <a:avLst/>
           </a:prstGeom>
@@ -4290,7 +6268,7 @@
               <a:buChar char="•"/>
             </a:pPr>
             <a:r>
-              <a:t>Visual insight about large corpus</a:t>
+              <a:t>Visual insight about relations in a large corpus</a:t>
             </a:r>
           </a:p>
           <a:p>
@@ -4300,6 +6278,15 @@
             </a:pPr>
             <a:r>
               <a:t>Recommendation Systems</a:t>
+            </a:r>
+          </a:p>
+          <a:p>
+            <a:pPr marL="698500" indent="-698500">
+              <a:buSzPct val="123000"/>
+              <a:buChar char="•"/>
+            </a:pPr>
+            <a:r>
+              <a:t>Distance / Similarity measures between industries based on graph theory</a:t>
             </a:r>
           </a:p>
         </p:txBody>
@@ -4322,7 +6309,7 @@
         </p:blipFill>
         <p:spPr>
           <a:xfrm>
-            <a:off x="15307086" y="4562422"/>
+            <a:off x="16268979" y="5476221"/>
             <a:ext cx="7095422" cy="4591156"/>
           </a:xfrm>
           <a:prstGeom prst="rect">
@@ -4465,7 +6452,7 @@
       </p:grpSpPr>
       <p:sp>
         <p:nvSpPr>
-          <p:cNvPr id="166" name="Text filtering and normalization"/>
+          <p:cNvPr id="166" name="Text filtering"/>
           <p:cNvSpPr txBox="1"/>
           <p:nvPr>
             <p:ph type="title"/>
@@ -4482,20 +6469,24 @@
           <a:p>
             <a:pPr/>
             <a:r>
-              <a:t>Text filtering and normalization</a:t>
-            </a:r>
-          </a:p>
-        </p:txBody>
-      </p:sp>
-      <p:sp>
-        <p:nvSpPr>
-          <p:cNvPr id="167" name="X…"/>
+              <a:t>Text filtering</a:t>
+            </a:r>
+          </a:p>
+        </p:txBody>
+      </p:sp>
+      <p:sp>
+        <p:nvSpPr>
+          <p:cNvPr id="167" name="- Keeping only companies from USA…"/>
           <p:cNvSpPr txBox="1"/>
           <p:nvPr>
             <p:ph type="body" idx="1"/>
           </p:nvPr>
         </p:nvSpPr>
         <p:spPr>
+          <a:xfrm>
+            <a:off x="1206500" y="3133037"/>
+            <a:ext cx="21971000" cy="9371479"/>
+          </a:xfrm>
           <a:prstGeom prst="rect">
             <a:avLst/>
           </a:prstGeom>
@@ -4504,31 +6495,123 @@
           <a:bodyPr/>
           <a:lstStyle/>
           <a:p>
-            <a:pPr/>
-            <a:r>
-              <a:t>X</a:t>
-            </a:r>
-          </a:p>
-          <a:p>
-            <a:pPr/>
-            <a:r>
-              <a:t>X</a:t>
-            </a:r>
-          </a:p>
-          <a:p>
-            <a:pPr/>
-            <a:r>
-              <a:t>X</a:t>
-            </a:r>
-          </a:p>
-          <a:p>
-            <a:pPr/>
+            <a:pPr marL="0" indent="0" defTabSz="2413955">
+              <a:spcBef>
+                <a:spcPts val="4400"/>
+              </a:spcBef>
+              <a:buSzTx/>
+              <a:buNone/>
+              <a:defRPr sz="4752"/>
+            </a:pPr>
+            <a:r>
+              <a:t>- Keeping only companies from USA </a:t>
+            </a:r>
+          </a:p>
+          <a:p>
+            <a:pPr marL="0" indent="0" defTabSz="2413955">
+              <a:spcBef>
+                <a:spcPts val="4400"/>
+              </a:spcBef>
+              <a:buSzTx/>
+              <a:buNone/>
+              <a:defRPr sz="4752"/>
+            </a:pPr>
+            <a:r>
+              <a:t>- Companies text that contains more than 90% latin letters</a:t>
+            </a:r>
+          </a:p>
+          <a:p>
+            <a:pPr marL="0" indent="0" defTabSz="2413955">
+              <a:spcBef>
+                <a:spcPts val="4400"/>
+              </a:spcBef>
+              <a:buSzTx/>
+              <a:buNone/>
+              <a:defRPr sz="4752"/>
+            </a:pPr>
+          </a:p>
+          <a:p>
+            <a:pPr marL="0" indent="0" defTabSz="2413955">
+              <a:spcBef>
+                <a:spcPts val="4400"/>
+              </a:spcBef>
+              <a:buSzTx/>
+              <a:buNone/>
+              <a:defRPr sz="4752"/>
+            </a:pPr>
+          </a:p>
+          <a:p>
+            <a:pPr marL="0" indent="0" defTabSz="2413955">
+              <a:spcBef>
+                <a:spcPts val="4400"/>
+              </a:spcBef>
+              <a:buSzTx/>
+              <a:buNone/>
+              <a:defRPr sz="4752"/>
+            </a:pPr>
+          </a:p>
+          <a:p>
+            <a:pPr marL="0" indent="0" defTabSz="2413955">
+              <a:spcBef>
+                <a:spcPts val="4400"/>
+              </a:spcBef>
+              <a:buSzTx/>
+              <a:buNone/>
+              <a:defRPr sz="4752"/>
+            </a:pPr>
+          </a:p>
+          <a:p>
+            <a:pPr marL="0" indent="0" defTabSz="2413955">
+              <a:spcBef>
+                <a:spcPts val="4400"/>
+              </a:spcBef>
+              <a:buSzTx/>
+              <a:buNone/>
+              <a:defRPr sz="4752"/>
+            </a:pPr>
+          </a:p>
+          <a:p>
+            <a:pPr marL="553215" indent="-553215" defTabSz="2413955">
+              <a:spcBef>
+                <a:spcPts val="4400"/>
+              </a:spcBef>
+              <a:defRPr sz="4752"/>
+            </a:pPr>
             <a:r>
               <a:t>Number of rows after filtering: 1,216,967</a:t>
             </a:r>
           </a:p>
         </p:txBody>
       </p:sp>
+      <p:pic>
+        <p:nvPicPr>
+          <p:cNvPr id="168" name="latin_dist_all_countries.png" descr="latin_dist_all_countries.png"/>
+          <p:cNvPicPr>
+            <a:picLocks noChangeAspect="1"/>
+          </p:cNvPicPr>
+          <p:nvPr/>
+        </p:nvPicPr>
+        <p:blipFill>
+          <a:blip r:embed="rId2">
+            <a:extLst/>
+          </a:blip>
+          <a:stretch>
+            <a:fillRect/>
+          </a:stretch>
+        </p:blipFill>
+        <p:spPr>
+          <a:xfrm>
+            <a:off x="6674705" y="5521505"/>
+            <a:ext cx="11034590" cy="6083641"/>
+          </a:xfrm>
+          <a:prstGeom prst="rect">
+            <a:avLst/>
+          </a:prstGeom>
+          <a:ln w="12700">
+            <a:miter lim="400000"/>
+          </a:ln>
+        </p:spPr>
+      </p:pic>
     </p:spTree>
   </p:cSld>
   <p:clrMapOvr>
@@ -4557,7 +6640,7 @@
       </p:grpSpPr>
       <p:sp>
         <p:nvSpPr>
-          <p:cNvPr id="169" name="Word embedding (vectorizing)"/>
+          <p:cNvPr id="170" name="Text normalization"/>
           <p:cNvSpPr txBox="1"/>
           <p:nvPr>
             <p:ph type="title"/>
@@ -4574,14 +6657,14 @@
           <a:p>
             <a:pPr/>
             <a:r>
-              <a:t>Word embedding (vectorizing)</a:t>
-            </a:r>
-          </a:p>
-        </p:txBody>
-      </p:sp>
-      <p:sp>
-        <p:nvSpPr>
-          <p:cNvPr id="170" name="Tf-idf…"/>
+              <a:t>Text normalization</a:t>
+            </a:r>
+          </a:p>
+        </p:txBody>
+      </p:sp>
+      <p:sp>
+        <p:nvSpPr>
+          <p:cNvPr id="171" name="- Remove HTML tags…"/>
           <p:cNvSpPr txBox="1"/>
           <p:nvPr>
             <p:ph type="body" idx="1"/>
@@ -4596,21 +6679,66 @@
           <a:bodyPr/>
           <a:lstStyle/>
           <a:p>
-            <a:pPr/>
-            <a:r>
-              <a:t>Tf-idf</a:t>
-            </a:r>
-          </a:p>
-          <a:p>
-            <a:pPr/>
-            <a:r>
-              <a:t>X</a:t>
-            </a:r>
-          </a:p>
-          <a:p>
-            <a:pPr/>
-            <a:r>
-              <a:t>Vector space dimension: 6,047,551 (very noisy)</a:t>
+            <a:pPr marL="0" indent="0">
+              <a:buSzTx/>
+              <a:buNone/>
+            </a:pPr>
+            <a:r>
+              <a:t>- Remove HTML tags</a:t>
+            </a:r>
+          </a:p>
+          <a:p>
+            <a:pPr marL="0" indent="0">
+              <a:buSzTx/>
+              <a:buNone/>
+            </a:pPr>
+            <a:r>
+              <a:t>- Remove special characters</a:t>
+            </a:r>
+          </a:p>
+          <a:p>
+            <a:pPr marL="0" indent="0">
+              <a:buSzTx/>
+              <a:buNone/>
+            </a:pPr>
+            <a:r>
+              <a:t>- Remove digits</a:t>
+            </a:r>
+          </a:p>
+          <a:p>
+            <a:pPr marL="0" indent="0">
+              <a:buSzTx/>
+              <a:buNone/>
+            </a:pPr>
+            <a:r>
+              <a:t>- Remove redundant whitespace</a:t>
+            </a:r>
+          </a:p>
+          <a:p>
+            <a:pPr marL="0" indent="0">
+              <a:buSzTx/>
+              <a:buNone/>
+            </a:pPr>
+            <a:r>
+              <a:t>- Remove terms with less than 3 characters or more than 15 characters</a:t>
+            </a:r>
+          </a:p>
+          <a:p>
+            <a:pPr marL="0" indent="0">
+              <a:buSzTx/>
+              <a:buNone/>
+            </a:pPr>
+            <a:r>
+              <a:t>- Remove stopwords</a:t>
+            </a:r>
+          </a:p>
+          <a:p>
+            <a:pPr marL="0" indent="0">
+              <a:buSzTx/>
+              <a:buNone/>
+            </a:pPr>
+            <a:r>
+              <a:t>- Convert to lowercase</a:t>
             </a:r>
           </a:p>
         </p:txBody>
@@ -4643,7 +6771,7 @@
       </p:grpSpPr>
       <p:sp>
         <p:nvSpPr>
-          <p:cNvPr id="172" name="Adding the “related to” column"/>
+          <p:cNvPr id="173" name="Word embedding (vectorizing)"/>
           <p:cNvSpPr txBox="1"/>
           <p:nvPr>
             <p:ph type="title"/>
@@ -4660,35 +6788,14 @@
           <a:p>
             <a:pPr/>
             <a:r>
-              <a:t>Adding the “related to” column</a:t>
-            </a:r>
-          </a:p>
-        </p:txBody>
-      </p:sp>
-      <p:sp>
-        <p:nvSpPr>
-          <p:cNvPr id="173" name="Slide Subtitle"/>
-          <p:cNvSpPr txBox="1"/>
-          <p:nvPr>
-            <p:ph type="body" idx="21"/>
-          </p:nvPr>
-        </p:nvSpPr>
-        <p:spPr>
-          <a:prstGeom prst="rect">
-            <a:avLst/>
-          </a:prstGeom>
-        </p:spPr>
-        <p:txBody>
-          <a:bodyPr/>
-          <a:lstStyle/>
-          <a:p>
-            <a:pPr/>
-          </a:p>
-        </p:txBody>
-      </p:sp>
-      <p:sp>
-        <p:nvSpPr>
-          <p:cNvPr id="174" name="X…"/>
+              <a:t>Word embedding (vectorizing)</a:t>
+            </a:r>
+          </a:p>
+        </p:txBody>
+      </p:sp>
+      <p:sp>
+        <p:nvSpPr>
+          <p:cNvPr id="174" name="Using tf-idf…"/>
           <p:cNvSpPr txBox="1"/>
           <p:nvPr>
             <p:ph type="body" idx="1"/>
@@ -4705,14 +6812,24 @@
           <a:p>
             <a:pPr/>
             <a:r>
-              <a:t>X</a:t>
-            </a:r>
-          </a:p>
-          <a:p>
-            <a:pPr/>
-            <a:r>
-              <a:t>X</a:t>
-            </a:r>
+              <a:t>Using </a:t>
+            </a:r>
+            <a:r>
+              <a:rPr b="1"/>
+              <a:t>tf-idf </a:t>
+            </a:r>
+          </a:p>
+          <a:p>
+            <a:pPr/>
+            <a:r>
+              <a:t>Removing terms that appear in more than 70% of the documents</a:t>
+            </a:r>
+            <a:endParaRPr sz="1200">
+              <a:latin typeface="Times Roman"/>
+              <a:ea typeface="Times Roman"/>
+              <a:cs typeface="Times Roman"/>
+              <a:sym typeface="Times Roman"/>
+            </a:endParaRPr>
           </a:p>
           <a:p>
             <a:pPr/>
@@ -4750,7 +6867,7 @@
       </p:grpSpPr>
       <p:sp>
         <p:nvSpPr>
-          <p:cNvPr id="176" name="Naive 1-NN - Linear search"/>
+          <p:cNvPr id="176" name="Adding the “related to” column"/>
           <p:cNvSpPr txBox="1"/>
           <p:nvPr>
             <p:ph type="title"/>
@@ -4767,6 +6884,114 @@
           <a:p>
             <a:pPr/>
             <a:r>
+              <a:t>Adding the “related to” column</a:t>
+            </a:r>
+          </a:p>
+        </p:txBody>
+      </p:sp>
+      <p:sp>
+        <p:nvSpPr>
+          <p:cNvPr id="177" name="For each company we want to find the most similar company in the data…"/>
+          <p:cNvSpPr txBox="1"/>
+          <p:nvPr>
+            <p:ph type="body" idx="1"/>
+          </p:nvPr>
+        </p:nvSpPr>
+        <p:spPr>
+          <a:prstGeom prst="rect">
+            <a:avLst/>
+          </a:prstGeom>
+        </p:spPr>
+        <p:txBody>
+          <a:bodyPr/>
+          <a:lstStyle/>
+          <a:p>
+            <a:pPr>
+              <a:lnSpc>
+                <a:spcPct val="120000"/>
+              </a:lnSpc>
+            </a:pPr>
+            <a:r>
+              <a:t>For each company we want to find the most similar company in the data</a:t>
+            </a:r>
+          </a:p>
+          <a:p>
+            <a:pPr>
+              <a:lnSpc>
+                <a:spcPct val="120000"/>
+              </a:lnSpc>
+            </a:pPr>
+            <a:r>
+              <a:t>“related to” will hold the ID of the similar company</a:t>
+            </a:r>
+          </a:p>
+          <a:p>
+            <a:pPr>
+              <a:lnSpc>
+                <a:spcPct val="120000"/>
+              </a:lnSpc>
+            </a:pPr>
+            <a:r>
+              <a:t>Finding the similar company is actually is an NNS (Nearest Neighbor Search) problem, in our case 1-NN</a:t>
+            </a:r>
+          </a:p>
+          <a:p>
+            <a:pPr>
+              <a:lnSpc>
+                <a:spcPct val="120000"/>
+              </a:lnSpc>
+            </a:pPr>
+            <a:r>
+              <a:t>This relation will result in a network in which the nodes are companies and the edges are the relation between to companies</a:t>
+            </a:r>
+          </a:p>
+        </p:txBody>
+      </p:sp>
+    </p:spTree>
+  </p:cSld>
+  <p:clrMapOvr>
+    <a:masterClrMapping/>
+  </p:clrMapOvr>
+  <p:transition xmlns:p14="http://schemas.microsoft.com/office/powerpoint/2010/main" spd="med" advClick="1"/>
+</p:sld>
+</file>
+
+<file path=ppt/slides/slide9.xml><?xml version="1.0" encoding="utf-8"?>
+<p:sld xmlns:a="http://schemas.openxmlformats.org/drawingml/2006/main" xmlns:r="http://schemas.openxmlformats.org/officeDocument/2006/relationships" xmlns:p="http://schemas.openxmlformats.org/presentationml/2006/main" xmlns:m="http://schemas.openxmlformats.org/officeDocument/2006/math" xmlns:a14="http://schemas.microsoft.com/office/drawing/2010/main" showMasterSp="1" showMasterPhAnim="1">
+  <p:cSld>
+    <p:spTree>
+      <p:nvGrpSpPr>
+        <p:cNvPr id="1" name=""/>
+        <p:cNvGrpSpPr/>
+        <p:nvPr/>
+      </p:nvGrpSpPr>
+      <p:grpSpPr>
+        <a:xfrm>
+          <a:off x="0" y="0"/>
+          <a:ext cx="0" cy="0"/>
+          <a:chOff x="0" y="0"/>
+          <a:chExt cx="0" cy="0"/>
+        </a:xfrm>
+      </p:grpSpPr>
+      <p:sp>
+        <p:nvSpPr>
+          <p:cNvPr id="179" name="Naive 1-NN - Linear search"/>
+          <p:cNvSpPr txBox="1"/>
+          <p:nvPr>
+            <p:ph type="title"/>
+          </p:nvPr>
+        </p:nvSpPr>
+        <p:spPr>
+          <a:prstGeom prst="rect">
+            <a:avLst/>
+          </a:prstGeom>
+        </p:spPr>
+        <p:txBody>
+          <a:bodyPr/>
+          <a:lstStyle/>
+          <a:p>
+            <a:pPr/>
+            <a:r>
               <a:t>Naive 1-NN - Linear search</a:t>
             </a:r>
           </a:p>
@@ -4774,7 +6999,7 @@
       </p:sp>
       <p:sp>
         <p:nvSpPr>
-          <p:cNvPr id="177" name="- Exhaustively search for the nearest neighbor of each vector…"/>
+          <p:cNvPr id="180" name="- Exhaustively search for the nearest neighbor of each vector…"/>
           <p:cNvSpPr txBox="1"/>
           <p:nvPr>
             <p:ph type="body" idx="1"/>
@@ -5287,109 +7512,6 @@
               <a:rPr b="1" sz="2016"/>
               <a:t> </a:t>
             </a:r>
-          </a:p>
-        </p:txBody>
-      </p:sp>
-    </p:spTree>
-  </p:cSld>
-  <p:clrMapOvr>
-    <a:masterClrMapping/>
-  </p:clrMapOvr>
-  <p:transition xmlns:p14="http://schemas.microsoft.com/office/powerpoint/2010/main" spd="med" advClick="1"/>
-</p:sld>
-</file>
-
-<file path=ppt/slides/slide9.xml><?xml version="1.0" encoding="utf-8"?>
-<p:sld xmlns:a="http://schemas.openxmlformats.org/drawingml/2006/main" xmlns:r="http://schemas.openxmlformats.org/officeDocument/2006/relationships" xmlns:p="http://schemas.openxmlformats.org/presentationml/2006/main" xmlns:m="http://schemas.openxmlformats.org/officeDocument/2006/math" xmlns:a14="http://schemas.microsoft.com/office/drawing/2010/main" showMasterSp="1" showMasterPhAnim="1">
-  <p:cSld>
-    <p:spTree>
-      <p:nvGrpSpPr>
-        <p:cNvPr id="1" name=""/>
-        <p:cNvGrpSpPr/>
-        <p:nvPr/>
-      </p:nvGrpSpPr>
-      <p:grpSpPr>
-        <a:xfrm>
-          <a:off x="0" y="0"/>
-          <a:ext cx="0" cy="0"/>
-          <a:chOff x="0" y="0"/>
-          <a:chExt cx="0" cy="0"/>
-        </a:xfrm>
-      </p:grpSpPr>
-      <p:sp>
-        <p:nvSpPr>
-          <p:cNvPr id="179" name="Improved Nearest Neighbors search"/>
-          <p:cNvSpPr txBox="1"/>
-          <p:nvPr>
-            <p:ph type="title"/>
-          </p:nvPr>
-        </p:nvSpPr>
-        <p:spPr>
-          <a:prstGeom prst="rect">
-            <a:avLst/>
-          </a:prstGeom>
-        </p:spPr>
-        <p:txBody>
-          <a:bodyPr/>
-          <a:lstStyle/>
-          <a:p>
-            <a:pPr/>
-            <a:r>
-              <a:t>Improved Nearest Neighbors search</a:t>
-            </a:r>
-          </a:p>
-        </p:txBody>
-      </p:sp>
-      <p:sp>
-        <p:nvSpPr>
-          <p:cNvPr id="180" name="Methods to import NNS linear search, by using data structures (indexing) or approximating distances in lower dimension…"/>
-          <p:cNvSpPr txBox="1"/>
-          <p:nvPr>
-            <p:ph type="body" idx="1"/>
-          </p:nvPr>
-        </p:nvSpPr>
-        <p:spPr>
-          <a:prstGeom prst="rect">
-            <a:avLst/>
-          </a:prstGeom>
-        </p:spPr>
-        <p:txBody>
-          <a:bodyPr>
-            <a:noAutofit/>
-          </a:bodyPr>
-          <a:lstStyle/>
-          <a:p>
-            <a:pPr/>
-            <a:r>
-              <a:t>Methods to import NNS linear search, by using data structures (indexing) or approximating distances in lower dimension</a:t>
-            </a:r>
-          </a:p>
-          <a:p>
-            <a:pPr/>
-            <a:r>
-              <a:t>For example, using K-d tree: partitioning the vector space and storing a binary tree to find candidates for NN faster.</a:t>
-            </a:r>
-          </a:p>
-          <a:p>
-            <a:pPr/>
-            <a:r>
-              <a:t>Abc</a:t>
-            </a:r>
-          </a:p>
-          <a:p>
-            <a:pPr/>
-            <a:r>
-              <a:t>Doesn’t work well on high dimensional data</a:t>
-            </a:r>
-          </a:p>
-          <a:p>
-            <a:pPr/>
-            <a:r>
-              <a:t>Lack of support for sparse vectors (converting to dense in not feasible)</a:t>
-            </a:r>
-            <a:br>
-              <a:rPr b="1"/>
-            </a:br>
           </a:p>
         </p:txBody>
       </p:sp>
